--- a/2020-site-reliability-engineering-sli-slo-error-budgets-techtalkthursday-nine/SRE-SLI-SLO-Error-Budgets_Lorch-20200722.pptx
+++ b/2020-site-reliability-engineering-sli-slo-error-budgets-techtalkthursday-nine/SRE-SLI-SLO-Error-Budgets_Lorch-20200722.pptx
@@ -12858,19 +12858,8 @@
                 <a:latin typeface="Corbel" panose="020B0503020204020204" pitchFamily="34" charset="0"/>
                 <a:cs typeface="Futura Medium" panose="020B0602020204020303" pitchFamily="34" charset="-79"/>
               </a:rPr>
-              <a:t>the maximum amount of time the system can fail without contractual consequences. It is the remainder or inverse of </a:t>
-            </a:r>
-            <a:r>
-              <a:rPr lang="en-GB" sz="3200" b="0">
-                <a:latin typeface="Corbel" panose="020B0503020204020204" pitchFamily="34" charset="0"/>
-                <a:cs typeface="Futura Medium" panose="020B0602020204020303" pitchFamily="34" charset="-79"/>
-              </a:rPr>
-              <a:t>the SLO</a:t>
-            </a:r>
-            <a:endParaRPr lang="en-GB" sz="3200" b="0" dirty="0">
-              <a:latin typeface="Corbel" panose="020B0503020204020204" pitchFamily="34" charset="0"/>
-              <a:cs typeface="Futura Medium" panose="020B0602020204020303" pitchFamily="34" charset="-79"/>
-            </a:endParaRPr>
+              <a:t>the maximum amount of time the system can fail without contractual consequences. It is the remainder / inverse of the SLO</a:t>
+            </a:r>
           </a:p>
         </p:txBody>
       </p:sp>
@@ -13227,7 +13216,14 @@
                 <a:latin typeface="Corbel" panose="020B0503020204020204" pitchFamily="34" charset="0"/>
                 <a:cs typeface="Futura Medium" panose="020B0602020204020303" pitchFamily="34" charset="-79"/>
               </a:rPr>
-              <a:t>The ART of the SLO: </a:t>
+              <a:t>The ART </a:t>
+            </a:r>
+            <a:r>
+              <a:rPr lang="en-GB" sz="4000">
+                <a:latin typeface="Corbel" panose="020B0503020204020204" pitchFamily="34" charset="0"/>
+                <a:cs typeface="Futura Medium" panose="020B0602020204020303" pitchFamily="34" charset="-79"/>
+              </a:rPr>
+              <a:t>of SLOs: </a:t>
             </a:r>
             <a:r>
               <a:rPr lang="en-GB" sz="4000" dirty="0">

--- a/2020-site-reliability-engineering-sli-slo-error-budgets-techtalkthursday-nine/SRE-SLI-SLO-Error-Budgets_Lorch-20200722.pptx
+++ b/2020-site-reliability-engineering-sli-slo-error-budgets-techtalkthursday-nine/SRE-SLI-SLO-Error-Budgets_Lorch-20200722.pptx
@@ -22524,7 +22524,7 @@
               <a:buFont typeface="Arial"/>
               <a:buNone/>
             </a:pPr>
-            <a:endParaRPr kern="0">
+            <a:endParaRPr sz="1400" kern="0">
               <a:solidFill>
                 <a:srgbClr val="000000"/>
               </a:solidFill>
@@ -22822,7 +22822,7 @@
               <a:buNone/>
             </a:pPr>
             <a:r>
-              <a:rPr lang="en-GB" sz="3600" b="1" kern="0">
+              <a:rPr lang="en-GB" sz="2800" b="1" kern="0" dirty="0">
                 <a:solidFill>
                   <a:srgbClr val="666666"/>
                 </a:solidFill>
@@ -23135,7 +23135,7 @@
               <a:defRPr/>
             </a:pPr>
             <a:r>
-              <a:rPr kumimoji="0" lang="en-GB" sz="3600" b="1" i="0" u="none" strike="noStrike" kern="0" cap="none" spc="0" normalizeH="0" baseline="0" noProof="0">
+              <a:rPr kumimoji="0" lang="en-GB" sz="2800" b="1" i="0" u="none" strike="noStrike" kern="0" cap="none" spc="0" normalizeH="0" baseline="0" noProof="0" dirty="0">
                 <a:ln>
                   <a:noFill/>
                 </a:ln>
@@ -23153,7 +23153,7 @@
               <a:t>good</a:t>
             </a:r>
             <a:r>
-              <a:rPr kumimoji="0" lang="en-GB" sz="3600" b="1" i="0" u="none" strike="noStrike" kern="0" cap="none" spc="0" normalizeH="0" baseline="0" noProof="0">
+              <a:rPr kumimoji="0" lang="en-GB" sz="2800" b="1" i="0" u="none" strike="noStrike" kern="0" cap="none" spc="0" normalizeH="0" baseline="0" noProof="0" dirty="0">
                 <a:ln>
                   <a:noFill/>
                 </a:ln>
@@ -23460,7 +23460,7 @@
               <a:buNone/>
             </a:pPr>
             <a:r>
-              <a:rPr lang="en-GB" sz="3600" b="1" kern="0">
+              <a:rPr lang="en-GB" sz="2800" b="1" kern="0">
                 <a:solidFill>
                   <a:srgbClr val="666666"/>
                 </a:solidFill>
@@ -23793,7 +23793,7 @@
               <a:buNone/>
             </a:pPr>
             <a:r>
-              <a:rPr lang="en" sz="3600" b="1" kern="0" dirty="0">
+              <a:rPr lang="en" sz="2800" b="1" kern="0" dirty="0">
                 <a:solidFill>
                   <a:srgbClr val="666666"/>
                 </a:solidFill>

--- a/2020-site-reliability-engineering-sli-slo-error-budgets-techtalkthursday-nine/SRE-SLI-SLO-Error-Budgets_Lorch-20200722.pptx
+++ b/2020-site-reliability-engineering-sli-slo-error-budgets-techtalkthursday-nine/SRE-SLI-SLO-Error-Budgets_Lorch-20200722.pptx
@@ -16,9 +16,10 @@
     <p:sldId id="312" r:id="rId10"/>
     <p:sldId id="314" r:id="rId11"/>
     <p:sldId id="316" r:id="rId12"/>
-    <p:sldId id="317" r:id="rId13"/>
-    <p:sldId id="318" r:id="rId14"/>
-    <p:sldId id="321" r:id="rId15"/>
+    <p:sldId id="322" r:id="rId13"/>
+    <p:sldId id="323" r:id="rId14"/>
+    <p:sldId id="318" r:id="rId15"/>
+    <p:sldId id="321" r:id="rId16"/>
   </p:sldIdLst>
   <p:sldSz cx="12192000" cy="6858000"/>
   <p:notesSz cx="6858000" cy="9144000"/>
@@ -285,7 +286,7 @@
           <a:p>
             <a:fld id="{183473A2-485E-584D-9CD0-95F7D5A4A647}" type="datetimeFigureOut">
               <a:rPr lang="en-CH" smtClean="0"/>
-              <a:t>21.07.20</a:t>
+              <a:t>22.07.20</a:t>
             </a:fld>
             <a:endParaRPr lang="en-CH"/>
           </a:p>
@@ -485,7 +486,7 @@
           <a:p>
             <a:fld id="{183473A2-485E-584D-9CD0-95F7D5A4A647}" type="datetimeFigureOut">
               <a:rPr lang="en-CH" smtClean="0"/>
-              <a:t>21.07.20</a:t>
+              <a:t>22.07.20</a:t>
             </a:fld>
             <a:endParaRPr lang="en-CH"/>
           </a:p>
@@ -695,7 +696,7 @@
           <a:p>
             <a:fld id="{183473A2-485E-584D-9CD0-95F7D5A4A647}" type="datetimeFigureOut">
               <a:rPr lang="en-CH" smtClean="0"/>
-              <a:t>21.07.20</a:t>
+              <a:t>22.07.20</a:t>
             </a:fld>
             <a:endParaRPr lang="en-CH"/>
           </a:p>
@@ -1908,7 +1909,7 @@
           <a:p>
             <a:fld id="{183473A2-485E-584D-9CD0-95F7D5A4A647}" type="datetimeFigureOut">
               <a:rPr lang="en-CH" smtClean="0"/>
-              <a:t>21.07.20</a:t>
+              <a:t>22.07.20</a:t>
             </a:fld>
             <a:endParaRPr lang="en-CH"/>
           </a:p>
@@ -2184,7 +2185,7 @@
           <a:p>
             <a:fld id="{183473A2-485E-584D-9CD0-95F7D5A4A647}" type="datetimeFigureOut">
               <a:rPr lang="en-CH" smtClean="0"/>
-              <a:t>21.07.20</a:t>
+              <a:t>22.07.20</a:t>
             </a:fld>
             <a:endParaRPr lang="en-CH"/>
           </a:p>
@@ -2452,7 +2453,7 @@
           <a:p>
             <a:fld id="{183473A2-485E-584D-9CD0-95F7D5A4A647}" type="datetimeFigureOut">
               <a:rPr lang="en-CH" smtClean="0"/>
-              <a:t>21.07.20</a:t>
+              <a:t>22.07.20</a:t>
             </a:fld>
             <a:endParaRPr lang="en-CH"/>
           </a:p>
@@ -2867,7 +2868,7 @@
           <a:p>
             <a:fld id="{183473A2-485E-584D-9CD0-95F7D5A4A647}" type="datetimeFigureOut">
               <a:rPr lang="en-CH" smtClean="0"/>
-              <a:t>21.07.20</a:t>
+              <a:t>22.07.20</a:t>
             </a:fld>
             <a:endParaRPr lang="en-CH"/>
           </a:p>
@@ -3009,7 +3010,7 @@
           <a:p>
             <a:fld id="{183473A2-485E-584D-9CD0-95F7D5A4A647}" type="datetimeFigureOut">
               <a:rPr lang="en-CH" smtClean="0"/>
-              <a:t>21.07.20</a:t>
+              <a:t>22.07.20</a:t>
             </a:fld>
             <a:endParaRPr lang="en-CH"/>
           </a:p>
@@ -3122,7 +3123,7 @@
           <a:p>
             <a:fld id="{183473A2-485E-584D-9CD0-95F7D5A4A647}" type="datetimeFigureOut">
               <a:rPr lang="en-CH" smtClean="0"/>
-              <a:t>21.07.20</a:t>
+              <a:t>22.07.20</a:t>
             </a:fld>
             <a:endParaRPr lang="en-CH"/>
           </a:p>
@@ -3435,7 +3436,7 @@
           <a:p>
             <a:fld id="{183473A2-485E-584D-9CD0-95F7D5A4A647}" type="datetimeFigureOut">
               <a:rPr lang="en-CH" smtClean="0"/>
-              <a:t>21.07.20</a:t>
+              <a:t>22.07.20</a:t>
             </a:fld>
             <a:endParaRPr lang="en-CH"/>
           </a:p>
@@ -3724,7 +3725,7 @@
           <a:p>
             <a:fld id="{183473A2-485E-584D-9CD0-95F7D5A4A647}" type="datetimeFigureOut">
               <a:rPr lang="en-CH" smtClean="0"/>
-              <a:t>21.07.20</a:t>
+              <a:t>22.07.20</a:t>
             </a:fld>
             <a:endParaRPr lang="en-CH"/>
           </a:p>
@@ -3967,7 +3968,7 @@
           <a:p>
             <a:fld id="{183473A2-485E-584D-9CD0-95F7D5A4A647}" type="datetimeFigureOut">
               <a:rPr lang="en-CH" smtClean="0"/>
-              <a:t>21.07.20</a:t>
+              <a:t>22.07.20</a:t>
             </a:fld>
             <a:endParaRPr lang="en-CH"/>
           </a:p>
@@ -7532,7 +7533,7 @@
         </p:nvSpPr>
         <p:spPr>
           <a:xfrm>
-            <a:off x="1843200" y="1923484"/>
+            <a:off x="1703862" y="1914775"/>
             <a:ext cx="5300694" cy="3612089"/>
           </a:xfrm>
           <a:prstGeom prst="flowChartDocument">
@@ -7596,7 +7597,7 @@
         </p:nvSpPr>
         <p:spPr>
           <a:xfrm>
-            <a:off x="2024575" y="2082860"/>
+            <a:off x="1885237" y="2074151"/>
             <a:ext cx="1335300" cy="1335300"/>
           </a:xfrm>
           <a:prstGeom prst="rect">
@@ -7671,7 +7672,7 @@
         </p:nvSpPr>
         <p:spPr>
           <a:xfrm>
-            <a:off x="3506800" y="2082860"/>
+            <a:off x="3367462" y="2074151"/>
             <a:ext cx="3408600" cy="555000"/>
           </a:xfrm>
           <a:prstGeom prst="rect">
@@ -7733,7 +7734,7 @@
         </p:nvSpPr>
         <p:spPr>
           <a:xfrm>
-            <a:off x="2035673" y="3349189"/>
+            <a:off x="1896335" y="3340480"/>
             <a:ext cx="1324200" cy="691500"/>
           </a:xfrm>
           <a:prstGeom prst="rect">
@@ -7890,7 +7891,7 @@
         </p:nvSpPr>
         <p:spPr>
           <a:xfrm>
-            <a:off x="1887175" y="1632985"/>
+            <a:off x="1747837" y="1624276"/>
             <a:ext cx="5205000" cy="228600"/>
           </a:xfrm>
           <a:prstGeom prst="roundRect">
@@ -7949,7 +7950,7 @@
         </p:nvSpPr>
         <p:spPr>
           <a:xfrm>
-            <a:off x="2022375" y="1564691"/>
+            <a:off x="1883037" y="1555982"/>
             <a:ext cx="4632300" cy="369300"/>
           </a:xfrm>
           <a:prstGeom prst="rect">
@@ -8011,7 +8012,7 @@
         </p:nvSpPr>
         <p:spPr>
           <a:xfrm>
-            <a:off x="2197581" y="2256966"/>
+            <a:off x="2058243" y="2248257"/>
             <a:ext cx="990600" cy="990600"/>
           </a:xfrm>
           <a:prstGeom prst="ellipse">
@@ -8062,7 +8063,7 @@
         </p:nvGrpSpPr>
         <p:grpSpPr>
           <a:xfrm>
-            <a:off x="2493698" y="2724770"/>
+            <a:off x="2354360" y="2716061"/>
             <a:ext cx="393354" cy="330872"/>
             <a:chOff x="4477183" y="1362711"/>
             <a:chExt cx="143638" cy="120818"/>
@@ -8483,7 +8484,7 @@
         </p:nvSpPr>
         <p:spPr>
           <a:xfrm>
-            <a:off x="1949475" y="1669184"/>
+            <a:off x="1810137" y="1660475"/>
             <a:ext cx="106225" cy="138450"/>
           </a:xfrm>
           <a:custGeom>
@@ -8644,7 +8645,7 @@
         </p:nvSpPr>
         <p:spPr>
           <a:xfrm>
-            <a:off x="2168242" y="2226525"/>
+            <a:off x="2028904" y="2217816"/>
             <a:ext cx="1047960" cy="1047960"/>
           </a:xfrm>
           <a:custGeom>
@@ -8873,7 +8874,7 @@
         </p:nvCxnSpPr>
         <p:spPr>
           <a:xfrm>
-            <a:off x="3576922" y="2597704"/>
+            <a:off x="3437584" y="2588995"/>
             <a:ext cx="3115878" cy="0"/>
           </a:xfrm>
           <a:prstGeom prst="straightConnector1">
@@ -8891,45 +8892,6 @@
           </a:ln>
         </p:spPr>
       </p:cxnSp>
-      <p:pic>
-        <p:nvPicPr>
-          <p:cNvPr id="64" name="Google Shape;808;p73">
-            <a:extLst>
-              <a:ext uri="{FF2B5EF4-FFF2-40B4-BE49-F238E27FC236}">
-                <a16:creationId xmlns:a16="http://schemas.microsoft.com/office/drawing/2014/main" id="{9BC16167-2BCE-8148-B209-DA182D1DD6C7}"/>
-              </a:ext>
-            </a:extLst>
-          </p:cNvPr>
-          <p:cNvPicPr preferRelativeResize="0"/>
-          <p:nvPr/>
-        </p:nvPicPr>
-        <p:blipFill rotWithShape="1">
-          <a:blip r:embed="rId4">
-            <a:alphaModFix/>
-          </a:blip>
-          <a:srcRect t="149" b="149"/>
-          <a:stretch/>
-        </p:blipFill>
-        <p:spPr>
-          <a:xfrm>
-            <a:off x="7296634" y="1933985"/>
-            <a:ext cx="3321116" cy="2534780"/>
-          </a:xfrm>
-          <a:prstGeom prst="rect">
-            <a:avLst/>
-          </a:prstGeom>
-          <a:noFill/>
-          <a:ln w="9525" cap="flat" cmpd="sng">
-            <a:solidFill>
-              <a:srgbClr val="000000"/>
-            </a:solidFill>
-            <a:prstDash val="solid"/>
-            <a:round/>
-            <a:headEnd type="none" w="sm" len="sm"/>
-            <a:tailEnd type="none" w="sm" len="sm"/>
-          </a:ln>
-        </p:spPr>
-      </p:pic>
       <p:sp>
         <p:nvSpPr>
           <p:cNvPr id="65" name="Google Shape;809;p73">
@@ -8944,7 +8906,7 @@
         </p:nvSpPr>
         <p:spPr>
           <a:xfrm>
-            <a:off x="5058698" y="2824710"/>
+            <a:off x="4919360" y="2816001"/>
             <a:ext cx="1627500" cy="269400"/>
           </a:xfrm>
           <a:prstGeom prst="roundRect">
@@ -9021,7 +8983,7 @@
         </p:nvSpPr>
         <p:spPr>
           <a:xfrm>
-            <a:off x="5051143" y="3227417"/>
+            <a:off x="4911805" y="3218708"/>
             <a:ext cx="1627500" cy="269400"/>
           </a:xfrm>
           <a:prstGeom prst="roundRect">
@@ -9098,7 +9060,7 @@
         </p:nvSpPr>
         <p:spPr>
           <a:xfrm>
-            <a:off x="5058698" y="3623400"/>
+            <a:off x="4919360" y="3614691"/>
             <a:ext cx="1627500" cy="269400"/>
           </a:xfrm>
           <a:prstGeom prst="roundRect">
@@ -9175,7 +9137,7 @@
         </p:nvSpPr>
         <p:spPr>
           <a:xfrm>
-            <a:off x="5737598" y="4166291"/>
+            <a:off x="5598260" y="4157582"/>
             <a:ext cx="948600" cy="269400"/>
           </a:xfrm>
           <a:prstGeom prst="roundRect">
@@ -9265,7 +9227,7 @@
         </p:nvSpPr>
         <p:spPr>
           <a:xfrm>
-            <a:off x="1949473" y="4097810"/>
+            <a:off x="1810135" y="4089101"/>
             <a:ext cx="290100" cy="1242300"/>
           </a:xfrm>
           <a:prstGeom prst="rect">
@@ -9477,7 +9439,7 @@
         </p:nvSpPr>
         <p:spPr>
           <a:xfrm>
-            <a:off x="2072230" y="4097810"/>
+            <a:off x="1932892" y="4089101"/>
             <a:ext cx="1578300" cy="1242300"/>
           </a:xfrm>
           <a:prstGeom prst="rect">
@@ -9760,13 +9722,13 @@
           <p:nvPr>
             <p:extLst>
               <p:ext uri="{D42A27DB-BD31-4B8C-83A1-F6EECF244321}">
-                <p14:modId xmlns:p14="http://schemas.microsoft.com/office/powerpoint/2010/main" val="819692775"/>
+                <p14:modId xmlns:p14="http://schemas.microsoft.com/office/powerpoint/2010/main" val="1433303697"/>
               </p:ext>
             </p:extLst>
           </p:nvPr>
         </p:nvGraphicFramePr>
         <p:xfrm>
-          <a:off x="3393446" y="2765076"/>
+          <a:off x="3254108" y="2756367"/>
           <a:ext cx="3312808" cy="1188630"/>
         </p:xfrm>
         <a:graphic>
@@ -10046,7 +10008,7 @@
                         <a:buNone/>
                       </a:pPr>
                       <a:r>
-                        <a:rPr lang="en" sz="1400" dirty="0">
+                        <a:rPr lang="en" sz="1200" dirty="0">
                           <a:latin typeface="Roboto Condensed"/>
                           <a:ea typeface="Roboto Condensed"/>
                           <a:cs typeface="Roboto Condensed"/>
@@ -10054,7 +10016,7 @@
                         </a:rPr>
                         <a:t>Tribe of Frog</a:t>
                       </a:r>
-                      <a:endParaRPr sz="1400" dirty="0">
+                      <a:endParaRPr sz="1200" dirty="0">
                         <a:latin typeface="Roboto Condensed"/>
                         <a:ea typeface="Roboto Condensed"/>
                         <a:cs typeface="Roboto Condensed"/>
@@ -10379,7 +10341,7 @@
                         <a:buNone/>
                       </a:pPr>
                       <a:r>
-                        <a:rPr lang="en" sz="1400" dirty="0" err="1">
+                        <a:rPr lang="en" sz="1200" dirty="0" err="1">
                           <a:latin typeface="Roboto Condensed"/>
                           <a:ea typeface="Roboto Condensed"/>
                           <a:cs typeface="Roboto Condensed"/>
@@ -10387,7 +10349,7 @@
                         </a:rPr>
                         <a:t>SomeUser</a:t>
                       </a:r>
-                      <a:endParaRPr sz="1400" dirty="0">
+                      <a:endParaRPr sz="1200" dirty="0">
                         <a:latin typeface="Roboto Condensed"/>
                         <a:ea typeface="Roboto Condensed"/>
                         <a:cs typeface="Roboto Condensed"/>
@@ -10712,7 +10674,7 @@
                         <a:buNone/>
                       </a:pPr>
                       <a:r>
-                        <a:rPr lang="en" sz="1400" dirty="0" err="1">
+                        <a:rPr lang="en" sz="1200" dirty="0" err="1">
                           <a:latin typeface="Roboto Condensed"/>
                           <a:ea typeface="Roboto Condensed"/>
                           <a:cs typeface="Roboto Condensed"/>
@@ -10720,7 +10682,7 @@
                         </a:rPr>
                         <a:t>user@example.com</a:t>
                       </a:r>
-                      <a:endParaRPr sz="1400" dirty="0">
+                      <a:endParaRPr sz="1200" dirty="0">
                         <a:latin typeface="Roboto Condensed"/>
                         <a:ea typeface="Roboto Condensed"/>
                         <a:cs typeface="Roboto Condensed"/>
@@ -10859,6 +10821,43 @@
           </a:p>
         </p:txBody>
       </p:sp>
+      <p:pic>
+        <p:nvPicPr>
+          <p:cNvPr id="3" name="Picture 2">
+            <a:extLst>
+              <a:ext uri="{FF2B5EF4-FFF2-40B4-BE49-F238E27FC236}">
+                <a16:creationId xmlns:a16="http://schemas.microsoft.com/office/drawing/2014/main" id="{1DA146B5-565B-1849-B2C7-077013ED8047}"/>
+              </a:ext>
+            </a:extLst>
+          </p:cNvPr>
+          <p:cNvPicPr>
+            <a:picLocks noChangeAspect="1"/>
+          </p:cNvPicPr>
+          <p:nvPr/>
+        </p:nvPicPr>
+        <p:blipFill>
+          <a:blip r:embed="rId4"/>
+          <a:stretch>
+            <a:fillRect/>
+          </a:stretch>
+        </p:blipFill>
+        <p:spPr>
+          <a:xfrm>
+            <a:off x="7151481" y="1630488"/>
+            <a:ext cx="3701654" cy="2674446"/>
+          </a:xfrm>
+          <a:prstGeom prst="rect">
+            <a:avLst/>
+          </a:prstGeom>
+          <a:effectLst>
+            <a:outerShdw blurRad="63500" sx="101000" sy="101000" algn="ctr" rotWithShape="0">
+              <a:prstClr val="black">
+                <a:alpha val="40000"/>
+              </a:prstClr>
+            </a:outerShdw>
+          </a:effectLst>
+        </p:spPr>
+      </p:pic>
     </p:spTree>
     <p:extLst>
       <p:ext uri="{BB962C8B-B14F-4D97-AF65-F5344CB8AC3E}">
@@ -11286,7 +11285,7 @@
                 <a:latin typeface="Corbel" panose="020B0503020204020204" pitchFamily="34" charset="0"/>
                 <a:cs typeface="Futura Medium" panose="020B0602020204020303" pitchFamily="34" charset="-79"/>
               </a:rPr>
-              <a:t>Example: SLO Definition</a:t>
+              <a:t>Example: SLI Implementations</a:t>
             </a:r>
           </a:p>
         </p:txBody>
@@ -11305,8 +11304,8 @@
         </p:nvSpPr>
         <p:spPr>
           <a:xfrm>
-            <a:off x="2232212" y="2214277"/>
-            <a:ext cx="4397188" cy="3214800"/>
+            <a:off x="1820091" y="2429691"/>
+            <a:ext cx="5016138" cy="2999386"/>
           </a:xfrm>
           <a:prstGeom prst="rect">
             <a:avLst/>
@@ -11334,7 +11333,7 @@
               <a:buNone/>
             </a:pPr>
             <a:r>
-              <a:rPr lang="en" sz="1600" kern="0" dirty="0">
+              <a:rPr lang="en" sz="1400" kern="0" dirty="0">
                 <a:solidFill>
                   <a:srgbClr val="666666"/>
                 </a:solidFill>
@@ -11346,7 +11345,7 @@
               <a:t>Proportion of </a:t>
             </a:r>
             <a:r>
-              <a:rPr lang="en" sz="1600" b="1" kern="0" dirty="0">
+              <a:rPr lang="en" sz="1400" b="1" kern="0" dirty="0">
                 <a:solidFill>
                   <a:srgbClr val="009E73"/>
                 </a:solidFill>
@@ -11358,7 +11357,7 @@
               <a:t>HTTP GET</a:t>
             </a:r>
             <a:r>
-              <a:rPr lang="en" sz="1600" kern="0" dirty="0">
+              <a:rPr lang="en" sz="1400" kern="0" dirty="0">
                 <a:solidFill>
                   <a:srgbClr val="666666"/>
                 </a:solidFill>
@@ -11370,7 +11369,7 @@
               <a:t> requests</a:t>
             </a:r>
             <a:br>
-              <a:rPr lang="en" sz="1600" kern="0" dirty="0">
+              <a:rPr lang="en" sz="1400" kern="0" dirty="0">
                 <a:solidFill>
                   <a:srgbClr val="CC79A7"/>
                 </a:solidFill>
@@ -11381,7 +11380,7 @@
               </a:rPr>
             </a:br>
             <a:r>
-              <a:rPr lang="en" sz="1600" kern="0" dirty="0">
+              <a:rPr lang="en" sz="1400" kern="0" dirty="0">
                 <a:solidFill>
                   <a:srgbClr val="666666"/>
                 </a:solidFill>
@@ -11393,7 +11392,7 @@
               <a:t>  for </a:t>
             </a:r>
             <a:r>
-              <a:rPr lang="en" sz="1600" b="1" kern="0" dirty="0">
+              <a:rPr lang="en" sz="1400" b="1" kern="0" dirty="0">
                 <a:solidFill>
                   <a:srgbClr val="009E73"/>
                 </a:solidFill>
@@ -11405,7 +11404,7 @@
               <a:t>/profile/{user} </a:t>
             </a:r>
             <a:r>
-              <a:rPr lang="en" sz="1600" kern="0" dirty="0">
+              <a:rPr lang="en" sz="1400" kern="0" dirty="0">
                 <a:solidFill>
                   <a:srgbClr val="666666"/>
                 </a:solidFill>
@@ -11417,7 +11416,7 @@
               <a:t>or </a:t>
             </a:r>
             <a:r>
-              <a:rPr lang="en" sz="1600" b="1" kern="0" dirty="0">
+              <a:rPr lang="en" sz="1400" b="1" kern="0" dirty="0">
                 <a:solidFill>
                   <a:srgbClr val="009E73"/>
                 </a:solidFill>
@@ -11429,7 +11428,7 @@
               <a:t>/profile/{user}/avatar</a:t>
             </a:r>
             <a:br>
-              <a:rPr lang="en" sz="1600" kern="0" dirty="0">
+              <a:rPr lang="en" sz="1400" kern="0" dirty="0">
                 <a:solidFill>
                   <a:srgbClr val="CC79A7"/>
                 </a:solidFill>
@@ -11440,7 +11439,7 @@
               </a:rPr>
             </a:br>
             <a:r>
-              <a:rPr lang="en" sz="1600" kern="0" dirty="0">
+              <a:rPr lang="en" sz="1400" kern="0" dirty="0">
                 <a:solidFill>
                   <a:srgbClr val="666666"/>
                 </a:solidFill>
@@ -11452,7 +11451,7 @@
               <a:t>  that have </a:t>
             </a:r>
             <a:r>
-              <a:rPr lang="en" sz="1600" b="1" i="1" kern="0" dirty="0">
+              <a:rPr lang="en" sz="1400" b="1" i="1" kern="0" dirty="0">
                 <a:solidFill>
                   <a:srgbClr val="0072B2"/>
                 </a:solidFill>
@@ -11464,7 +11463,7 @@
               <a:t>2XX</a:t>
             </a:r>
             <a:r>
-              <a:rPr lang="en" sz="1600" kern="0" dirty="0">
+              <a:rPr lang="en" sz="1400" kern="0" dirty="0">
                 <a:solidFill>
                   <a:srgbClr val="666666"/>
                 </a:solidFill>
@@ -11476,7 +11475,7 @@
               <a:t>, </a:t>
             </a:r>
             <a:r>
-              <a:rPr lang="en" sz="1600" b="1" i="1" kern="0" dirty="0">
+              <a:rPr lang="en" sz="1400" b="1" i="1" kern="0" dirty="0">
                 <a:solidFill>
                   <a:srgbClr val="0072B2"/>
                 </a:solidFill>
@@ -11488,7 +11487,7 @@
               <a:t>3XX</a:t>
             </a:r>
             <a:r>
-              <a:rPr lang="en" sz="1600" b="1" kern="0" dirty="0">
+              <a:rPr lang="en" sz="1400" b="1" kern="0" dirty="0">
                 <a:solidFill>
                   <a:srgbClr val="009E73"/>
                 </a:solidFill>
@@ -11500,7 +11499,7 @@
               <a:t> </a:t>
             </a:r>
             <a:r>
-              <a:rPr lang="en" sz="1600" kern="0" dirty="0">
+              <a:rPr lang="en" sz="1400" kern="0" dirty="0">
                 <a:solidFill>
                   <a:srgbClr val="666666"/>
                 </a:solidFill>
@@ -11512,7 +11511,7 @@
               <a:t>or </a:t>
             </a:r>
             <a:r>
-              <a:rPr lang="en" sz="1600" b="1" i="1" kern="0" dirty="0">
+              <a:rPr lang="en" sz="1400" b="1" i="1" kern="0" dirty="0">
                 <a:solidFill>
                   <a:srgbClr val="0072B2"/>
                 </a:solidFill>
@@ -11524,7 +11523,7 @@
               <a:t>4XX</a:t>
             </a:r>
             <a:r>
-              <a:rPr lang="en" sz="1600" b="1" kern="0" dirty="0">
+              <a:rPr lang="en" sz="1400" b="1" kern="0" dirty="0">
                 <a:solidFill>
                   <a:srgbClr val="0072B2"/>
                 </a:solidFill>
@@ -11536,7 +11535,7 @@
               <a:t> (excl. 429) </a:t>
             </a:r>
             <a:r>
-              <a:rPr lang="en" sz="1600" kern="0" dirty="0">
+              <a:rPr lang="en" sz="1400" kern="0" dirty="0">
                 <a:solidFill>
                   <a:srgbClr val="666666"/>
                 </a:solidFill>
@@ -11548,7 +11547,7 @@
               <a:t>status</a:t>
             </a:r>
             <a:br>
-              <a:rPr lang="en" sz="1600" kern="0" dirty="0">
+              <a:rPr lang="en" sz="1400" kern="0" dirty="0">
                 <a:solidFill>
                   <a:srgbClr val="CC79A7"/>
                 </a:solidFill>
@@ -11559,7 +11558,7 @@
               </a:rPr>
             </a:br>
             <a:r>
-              <a:rPr lang="en" sz="1600" kern="0" dirty="0">
+              <a:rPr lang="en" sz="1400" kern="0" dirty="0">
                 <a:solidFill>
                   <a:srgbClr val="666666"/>
                 </a:solidFill>
@@ -11571,7 +11570,7 @@
               <a:t>  measured at the </a:t>
             </a:r>
             <a:r>
-              <a:rPr lang="en" sz="1600" b="1" kern="0" dirty="0">
+              <a:rPr lang="en" sz="1400" b="1" kern="0" dirty="0">
                 <a:solidFill>
                   <a:srgbClr val="D55E00"/>
                 </a:solidFill>
@@ -11582,7 +11581,7 @@
               </a:rPr>
               <a:t>load balancer</a:t>
             </a:r>
-            <a:endParaRPr sz="1600" b="1" kern="0" dirty="0">
+            <a:endParaRPr sz="1400" b="1" kern="0" dirty="0">
               <a:solidFill>
                 <a:srgbClr val="D55E00"/>
               </a:solidFill>
@@ -11608,7 +11607,7 @@
               <a:buNone/>
             </a:pPr>
             <a:r>
-              <a:rPr lang="en" sz="1600" i="1" kern="0" dirty="0">
+              <a:rPr lang="en" sz="1400" i="1" kern="0" dirty="0">
                 <a:solidFill>
                   <a:srgbClr val="666666"/>
                 </a:solidFill>
@@ -11619,7 +11618,7 @@
               </a:rPr>
               <a:t>and</a:t>
             </a:r>
-            <a:endParaRPr sz="1600" i="1" kern="0" dirty="0">
+            <a:endParaRPr sz="1400" i="1" kern="0" dirty="0">
               <a:solidFill>
                 <a:srgbClr val="666666"/>
               </a:solidFill>
@@ -11648,7 +11647,7 @@
               <a:buNone/>
             </a:pPr>
             <a:r>
-              <a:rPr lang="en" sz="1600" kern="0" dirty="0">
+              <a:rPr lang="en" sz="1400" kern="0" dirty="0">
                 <a:solidFill>
                   <a:srgbClr val="666666"/>
                 </a:solidFill>
@@ -11660,7 +11659,7 @@
               <a:t>Proportion of </a:t>
             </a:r>
             <a:r>
-              <a:rPr lang="en" sz="1600" b="1" kern="0" dirty="0">
+              <a:rPr lang="en" sz="1400" b="1" kern="0" dirty="0">
                 <a:solidFill>
                   <a:srgbClr val="009E73"/>
                 </a:solidFill>
@@ -11672,7 +11671,7 @@
               <a:t>HTTP GET</a:t>
             </a:r>
             <a:r>
-              <a:rPr lang="en" sz="1600" kern="0" dirty="0">
+              <a:rPr lang="en" sz="1400" kern="0" dirty="0">
                 <a:solidFill>
                   <a:srgbClr val="666666"/>
                 </a:solidFill>
@@ -11684,7 +11683,7 @@
               <a:t> requests</a:t>
             </a:r>
             <a:br>
-              <a:rPr lang="en" sz="1600" kern="0" dirty="0">
+              <a:rPr lang="en" sz="1400" kern="0" dirty="0">
                 <a:solidFill>
                   <a:srgbClr val="CC79A7"/>
                 </a:solidFill>
@@ -11695,7 +11694,7 @@
               </a:rPr>
             </a:br>
             <a:r>
-              <a:rPr lang="en" sz="1600" kern="0" dirty="0">
+              <a:rPr lang="en" sz="1400" kern="0" dirty="0">
                 <a:solidFill>
                   <a:srgbClr val="666666"/>
                 </a:solidFill>
@@ -11707,7 +11706,7 @@
               <a:t>  for </a:t>
             </a:r>
             <a:r>
-              <a:rPr lang="en" sz="1600" b="1" kern="0" dirty="0">
+              <a:rPr lang="en" sz="1400" b="1" kern="0" dirty="0">
                 <a:solidFill>
                   <a:srgbClr val="009E73"/>
                 </a:solidFill>
@@ -11719,7 +11718,7 @@
               <a:t>/profile/</a:t>
             </a:r>
             <a:r>
-              <a:rPr lang="en" sz="1600" b="1" kern="0" dirty="0" err="1">
+              <a:rPr lang="en" sz="1400" b="1" kern="0" dirty="0" err="1">
                 <a:solidFill>
                   <a:srgbClr val="009E73"/>
                 </a:solidFill>
@@ -11731,7 +11730,7 @@
               <a:t>prober_user</a:t>
             </a:r>
             <a:r>
-              <a:rPr lang="en" sz="1600" b="1" kern="0" dirty="0">
+              <a:rPr lang="en" sz="1400" b="1" kern="0" dirty="0">
                 <a:solidFill>
                   <a:srgbClr val="009E73"/>
                 </a:solidFill>
@@ -11743,7 +11742,7 @@
               <a:t> </a:t>
             </a:r>
             <a:r>
-              <a:rPr lang="en" sz="1600" kern="0" dirty="0">
+              <a:rPr lang="en" sz="1400" kern="0" dirty="0">
                 <a:solidFill>
                   <a:srgbClr val="666666"/>
                 </a:solidFill>
@@ -11755,7 +11754,7 @@
               <a:t>and</a:t>
             </a:r>
             <a:r>
-              <a:rPr lang="en" sz="1600" b="1" kern="0" dirty="0">
+              <a:rPr lang="en" sz="1400" b="1" kern="0" dirty="0">
                 <a:solidFill>
                   <a:srgbClr val="009E73"/>
                 </a:solidFill>
@@ -11767,7 +11766,7 @@
               <a:t> all linked resources</a:t>
             </a:r>
             <a:br>
-              <a:rPr lang="en" sz="1600" kern="0" dirty="0">
+              <a:rPr lang="en" sz="1400" kern="0" dirty="0">
                 <a:solidFill>
                   <a:srgbClr val="CC79A7"/>
                 </a:solidFill>
@@ -11778,7 +11777,7 @@
               </a:rPr>
             </a:br>
             <a:r>
-              <a:rPr lang="en" sz="1600" kern="0" dirty="0">
+              <a:rPr lang="en" sz="1400" kern="0" dirty="0">
                 <a:solidFill>
                   <a:srgbClr val="666666"/>
                 </a:solidFill>
@@ -11790,7 +11789,7 @@
               <a:t>  returning </a:t>
             </a:r>
             <a:r>
-              <a:rPr lang="en" sz="1600" b="1" kern="0" dirty="0">
+              <a:rPr lang="en" sz="1400" b="1" kern="0" dirty="0">
                 <a:solidFill>
                   <a:srgbClr val="0072B2"/>
                 </a:solidFill>
@@ -11802,7 +11801,7 @@
               <a:t>valid HTML containing "</a:t>
             </a:r>
             <a:r>
-              <a:rPr lang="en" sz="1600" b="1" kern="0" dirty="0" err="1">
+              <a:rPr lang="en" sz="1400" b="1" kern="0" dirty="0" err="1">
                 <a:solidFill>
                   <a:srgbClr val="0072B2"/>
                 </a:solidFill>
@@ -11814,7 +11813,7 @@
               <a:t>ProberUser</a:t>
             </a:r>
             <a:r>
-              <a:rPr lang="en" sz="1600" b="1" kern="0" dirty="0">
+              <a:rPr lang="en" sz="1400" b="1" kern="0" dirty="0">
                 <a:solidFill>
                   <a:srgbClr val="0072B2"/>
                 </a:solidFill>
@@ -11826,7 +11825,7 @@
               <a:t>"</a:t>
             </a:r>
             <a:br>
-              <a:rPr lang="en" sz="1600" kern="0" dirty="0">
+              <a:rPr lang="en" sz="1400" kern="0" dirty="0">
                 <a:solidFill>
                   <a:srgbClr val="CC79A7"/>
                 </a:solidFill>
@@ -11837,7 +11836,7 @@
               </a:rPr>
             </a:br>
             <a:r>
-              <a:rPr lang="en" sz="1600" kern="0" dirty="0">
+              <a:rPr lang="en" sz="1400" kern="0" dirty="0">
                 <a:solidFill>
                   <a:srgbClr val="666666"/>
                 </a:solidFill>
@@ -11849,7 +11848,7 @@
               <a:t>  measured by a </a:t>
             </a:r>
             <a:r>
-              <a:rPr lang="en" sz="1600" b="1" kern="0" dirty="0">
+              <a:rPr lang="en" sz="1400" b="1" kern="0" dirty="0">
                 <a:solidFill>
                   <a:srgbClr val="D55E00"/>
                 </a:solidFill>
@@ -11861,7 +11860,7 @@
               <a:t>black-box prober</a:t>
             </a:r>
             <a:r>
-              <a:rPr lang="en" sz="1600" kern="0" dirty="0">
+              <a:rPr lang="en" sz="1400" kern="0" dirty="0">
                 <a:solidFill>
                   <a:srgbClr val="666666"/>
                 </a:solidFill>
@@ -11872,7 +11871,7 @@
               </a:rPr>
               <a:t> every 5s</a:t>
             </a:r>
-            <a:endParaRPr sz="1600" kern="0" dirty="0">
+            <a:endParaRPr sz="1400" kern="0" dirty="0">
               <a:solidFill>
                 <a:srgbClr val="000000"/>
               </a:solidFill>
@@ -11897,8 +11896,8 @@
         </p:nvSpPr>
         <p:spPr>
           <a:xfrm>
-            <a:off x="6728012" y="2214277"/>
-            <a:ext cx="3917700" cy="1143000"/>
+            <a:off x="6515302" y="2429691"/>
+            <a:ext cx="4470944" cy="1143000"/>
           </a:xfrm>
           <a:prstGeom prst="rect">
             <a:avLst/>
@@ -11926,7 +11925,7 @@
               <a:buNone/>
             </a:pPr>
             <a:r>
-              <a:rPr lang="en" sz="1600" kern="0" dirty="0">
+              <a:rPr lang="en" sz="1400" kern="0" dirty="0">
                 <a:solidFill>
                   <a:srgbClr val="666666"/>
                 </a:solidFill>
@@ -11938,7 +11937,7 @@
               <a:t>Proportion of </a:t>
             </a:r>
             <a:r>
-              <a:rPr lang="en" sz="1600" b="1" kern="0" dirty="0">
+              <a:rPr lang="en" sz="1400" b="1" kern="0" dirty="0">
                 <a:solidFill>
                   <a:srgbClr val="009E73"/>
                 </a:solidFill>
@@ -11950,7 +11949,7 @@
               <a:t>HTTP GET</a:t>
             </a:r>
             <a:r>
-              <a:rPr lang="en" sz="1600" kern="0" dirty="0">
+              <a:rPr lang="en" sz="1400" kern="0" dirty="0">
                 <a:solidFill>
                   <a:srgbClr val="666666"/>
                 </a:solidFill>
@@ -11962,7 +11961,7 @@
               <a:t> requests</a:t>
             </a:r>
             <a:br>
-              <a:rPr lang="en" sz="1600" kern="0" dirty="0">
+              <a:rPr lang="en" sz="1400" kern="0" dirty="0">
                 <a:solidFill>
                   <a:srgbClr val="CC79A7"/>
                 </a:solidFill>
@@ -11973,7 +11972,7 @@
               </a:rPr>
             </a:br>
             <a:r>
-              <a:rPr lang="en" sz="1600" kern="0" dirty="0">
+              <a:rPr lang="en" sz="1400" kern="0" dirty="0">
                 <a:solidFill>
                   <a:srgbClr val="666666"/>
                 </a:solidFill>
@@ -11985,7 +11984,7 @@
               <a:t>  for </a:t>
             </a:r>
             <a:r>
-              <a:rPr lang="en" sz="1600" b="1" kern="0" dirty="0">
+              <a:rPr lang="en" sz="1400" b="1" kern="0" dirty="0">
                 <a:solidFill>
                   <a:srgbClr val="009E73"/>
                 </a:solidFill>
@@ -11997,7 +11996,7 @@
               <a:t>/profile/{user}</a:t>
             </a:r>
             <a:br>
-              <a:rPr lang="en" sz="1600" kern="0" dirty="0">
+              <a:rPr lang="en" sz="1400" kern="0" dirty="0">
                 <a:solidFill>
                   <a:srgbClr val="CC79A7"/>
                 </a:solidFill>
@@ -12008,7 +12007,7 @@
               </a:rPr>
             </a:br>
             <a:r>
-              <a:rPr lang="en" sz="1600" kern="0" dirty="0">
+              <a:rPr lang="en" sz="1400" kern="0" dirty="0">
                 <a:solidFill>
                   <a:srgbClr val="666666"/>
                 </a:solidFill>
@@ -12020,7 +12019,7 @@
               <a:t>  that send their </a:t>
             </a:r>
             <a:r>
-              <a:rPr lang="en" sz="1600" b="1" kern="0" dirty="0">
+              <a:rPr lang="en" sz="1400" b="1" kern="0" dirty="0">
                 <a:solidFill>
                   <a:srgbClr val="D55E00"/>
                 </a:solidFill>
@@ -12032,7 +12031,7 @@
               <a:t>entire response</a:t>
             </a:r>
             <a:r>
-              <a:rPr lang="en" sz="1600" kern="0" dirty="0">
+              <a:rPr lang="en" sz="1400" kern="0" dirty="0">
                 <a:solidFill>
                   <a:srgbClr val="CC79A7"/>
                 </a:solidFill>
@@ -12044,7 +12043,7 @@
               <a:t> </a:t>
             </a:r>
             <a:r>
-              <a:rPr lang="en" sz="1600" b="1" kern="0" dirty="0">
+              <a:rPr lang="en" sz="1400" b="1" kern="0" dirty="0">
                 <a:solidFill>
                   <a:srgbClr val="0072B2"/>
                 </a:solidFill>
@@ -12056,7 +12055,7 @@
               <a:t>within </a:t>
             </a:r>
             <a:r>
-              <a:rPr lang="en" sz="1600" b="1" i="1" kern="0" dirty="0">
+              <a:rPr lang="en" sz="1400" b="1" i="1" kern="0" dirty="0">
                 <a:solidFill>
                   <a:srgbClr val="0072B2"/>
                 </a:solidFill>
@@ -12068,7 +12067,7 @@
               <a:t>X </a:t>
             </a:r>
             <a:r>
-              <a:rPr lang="en" sz="1600" b="1" kern="0" dirty="0">
+              <a:rPr lang="en" sz="1400" b="1" kern="0" dirty="0">
                 <a:solidFill>
                   <a:srgbClr val="0072B2"/>
                 </a:solidFill>
@@ -12080,7 +12079,7 @@
               <a:t>ms</a:t>
             </a:r>
             <a:br>
-              <a:rPr lang="en" sz="1600" kern="0" dirty="0">
+              <a:rPr lang="en" sz="1400" kern="0" dirty="0">
                 <a:solidFill>
                   <a:srgbClr val="CC79A7"/>
                 </a:solidFill>
@@ -12091,7 +12090,7 @@
               </a:rPr>
             </a:br>
             <a:r>
-              <a:rPr lang="en" sz="1600" kern="0" dirty="0">
+              <a:rPr lang="en" sz="1400" kern="0" dirty="0">
                 <a:solidFill>
                   <a:srgbClr val="666666"/>
                 </a:solidFill>
@@ -12103,7 +12102,7 @@
               <a:t>  measured at the </a:t>
             </a:r>
             <a:r>
-              <a:rPr lang="en" sz="1600" b="1" kern="0" dirty="0">
+              <a:rPr lang="en" sz="1400" b="1" kern="0" dirty="0">
                 <a:solidFill>
                   <a:srgbClr val="D55E00"/>
                 </a:solidFill>
@@ -12114,7 +12113,7 @@
               </a:rPr>
               <a:t>load balancer</a:t>
             </a:r>
-            <a:endParaRPr sz="1600" b="1" kern="0" dirty="0">
+            <a:endParaRPr sz="1400" b="1" kern="0" dirty="0">
               <a:solidFill>
                 <a:srgbClr val="D55E00"/>
               </a:solidFill>
@@ -12168,8 +12167,8 @@
         </p:nvSpPr>
         <p:spPr>
           <a:xfrm>
-            <a:off x="2918012" y="1604677"/>
-            <a:ext cx="2209800" cy="457200"/>
+            <a:off x="2710901" y="1604677"/>
+            <a:ext cx="2416911" cy="457200"/>
           </a:xfrm>
           <a:prstGeom prst="rect">
             <a:avLst/>
@@ -12278,10 +12277,47 @@
           </a:p>
         </p:txBody>
       </p:sp>
+      <p:pic>
+        <p:nvPicPr>
+          <p:cNvPr id="13" name="Picture 12">
+            <a:extLst>
+              <a:ext uri="{FF2B5EF4-FFF2-40B4-BE49-F238E27FC236}">
+                <a16:creationId xmlns:a16="http://schemas.microsoft.com/office/drawing/2014/main" id="{2EB84D47-C7F1-8142-B1E9-EF9E7F4BE1E2}"/>
+              </a:ext>
+            </a:extLst>
+          </p:cNvPr>
+          <p:cNvPicPr>
+            <a:picLocks noChangeAspect="1"/>
+          </p:cNvPicPr>
+          <p:nvPr/>
+        </p:nvPicPr>
+        <p:blipFill>
+          <a:blip r:embed="rId4"/>
+          <a:stretch>
+            <a:fillRect/>
+          </a:stretch>
+        </p:blipFill>
+        <p:spPr>
+          <a:xfrm>
+            <a:off x="7135392" y="3726533"/>
+            <a:ext cx="2766640" cy="1998898"/>
+          </a:xfrm>
+          <a:prstGeom prst="rect">
+            <a:avLst/>
+          </a:prstGeom>
+          <a:effectLst>
+            <a:outerShdw blurRad="63500" sx="101000" sy="101000" algn="ctr" rotWithShape="0">
+              <a:prstClr val="black">
+                <a:alpha val="40000"/>
+              </a:prstClr>
+            </a:outerShdw>
+          </a:effectLst>
+        </p:spPr>
+      </p:pic>
     </p:spTree>
     <p:extLst>
       <p:ext uri="{BB962C8B-B14F-4D97-AF65-F5344CB8AC3E}">
-        <p14:creationId xmlns:p14="http://schemas.microsoft.com/office/powerpoint/2010/main" val="2037267234"/>
+        <p14:creationId xmlns:p14="http://schemas.microsoft.com/office/powerpoint/2010/main" val="2528525831"/>
       </p:ext>
     </p:extLst>
   </p:cSld>
@@ -12297,7 +12333,9 @@
     <p:bg>
       <p:bgPr>
         <a:solidFill>
-          <a:srgbClr val="7030A0"/>
+          <a:schemeClr val="accent6">
+            <a:lumMod val="75000"/>
+          </a:schemeClr>
         </a:solidFill>
         <a:effectLst/>
       </p:bgPr>
@@ -12337,7 +12375,7 @@
             <a:avLst/>
           </a:prstGeom>
           <a:solidFill>
-            <a:srgbClr val="532378"/>
+            <a:srgbClr val="3E6228"/>
           </a:solidFill>
           <a:ln>
             <a:noFill/>
@@ -12512,361 +12550,171 @@
       </p:sp>
       <p:sp>
         <p:nvSpPr>
-          <p:cNvPr id="74" name="Titel 7">
+          <p:cNvPr id="2" name="Rectangle 1">
             <a:extLst>
               <a:ext uri="{FF2B5EF4-FFF2-40B4-BE49-F238E27FC236}">
-                <a16:creationId xmlns:a16="http://schemas.microsoft.com/office/drawing/2014/main" id="{1ABADBBA-DD3C-4E40-AE96-107C25A300CF}"/>
+                <a16:creationId xmlns:a16="http://schemas.microsoft.com/office/drawing/2014/main" id="{B134356F-E357-734C-BDC0-B10FC1001337}"/>
               </a:ext>
             </a:extLst>
           </p:cNvPr>
-          <p:cNvSpPr txBox="1">
-            <a:spLocks/>
-          </p:cNvSpPr>
+          <p:cNvSpPr/>
           <p:nvPr/>
         </p:nvSpPr>
-        <p:spPr bwMode="gray">
+        <p:spPr>
           <a:xfrm>
-            <a:off x="1416049" y="267076"/>
-            <a:ext cx="9570197" cy="728006"/>
+            <a:off x="1416050" y="277594"/>
+            <a:ext cx="9570197" cy="5924843"/>
+          </a:xfrm>
+          <a:prstGeom prst="rect">
+            <a:avLst/>
+          </a:prstGeom>
+          <a:solidFill>
+            <a:schemeClr val="bg1"/>
+          </a:solidFill>
+          <a:ln>
+            <a:noFill/>
+          </a:ln>
+          <a:effectLst>
+            <a:outerShdw blurRad="50800" dist="38100" dir="5400000" algn="t" rotWithShape="0">
+              <a:prstClr val="black">
+                <a:alpha val="40000"/>
+              </a:prstClr>
+            </a:outerShdw>
+          </a:effectLst>
+        </p:spPr>
+        <p:style>
+          <a:lnRef idx="2">
+            <a:schemeClr val="accent1">
+              <a:shade val="50000"/>
+            </a:schemeClr>
+          </a:lnRef>
+          <a:fillRef idx="1">
+            <a:schemeClr val="accent1"/>
+          </a:fillRef>
+          <a:effectRef idx="0">
+            <a:schemeClr val="accent1"/>
+          </a:effectRef>
+          <a:fontRef idx="minor">
+            <a:schemeClr val="lt1"/>
+          </a:fontRef>
+        </p:style>
+        <p:txBody>
+          <a:bodyPr rtlCol="0" anchor="ctr"/>
+          <a:lstStyle/>
+          <a:p>
+            <a:pPr algn="ctr"/>
+            <a:endParaRPr lang="en-CH"/>
+          </a:p>
+        </p:txBody>
+      </p:sp>
+      <p:sp>
+        <p:nvSpPr>
+          <p:cNvPr id="76" name="Rectangle 75">
+            <a:extLst>
+              <a:ext uri="{FF2B5EF4-FFF2-40B4-BE49-F238E27FC236}">
+                <a16:creationId xmlns:a16="http://schemas.microsoft.com/office/drawing/2014/main" id="{26C56216-5D84-9348-9D0C-0ECAF78B8DA9}"/>
+              </a:ext>
+            </a:extLst>
+          </p:cNvPr>
+          <p:cNvSpPr/>
+          <p:nvPr/>
+        </p:nvSpPr>
+        <p:spPr>
+          <a:xfrm>
+            <a:off x="3552950" y="6257241"/>
+            <a:ext cx="5408084" cy="323165"/>
           </a:xfrm>
           <a:prstGeom prst="rect">
             <a:avLst/>
           </a:prstGeom>
         </p:spPr>
         <p:txBody>
-          <a:bodyPr vert="horz" lIns="91440" tIns="0" rIns="91440" bIns="0" rtlCol="0" anchor="b">
-            <a:noAutofit/>
+          <a:bodyPr wrap="none">
+            <a:spAutoFit/>
           </a:bodyPr>
-          <a:lstStyle>
-            <a:lvl1pPr algn="l" defTabSz="914400" rtl="0" eaLnBrk="1" latinLnBrk="0" hangingPunct="1">
-              <a:lnSpc>
-                <a:spcPct val="90000"/>
-              </a:lnSpc>
-              <a:spcBef>
-                <a:spcPct val="0"/>
-              </a:spcBef>
-              <a:buNone/>
-              <a:defRPr sz="6600" b="1" i="0" kern="1200" spc="-150" baseline="0">
+          <a:lstStyle/>
+          <a:p>
+            <a:r>
+              <a:rPr lang="en-GB" sz="1500" u="sng" dirty="0">
                 <a:solidFill>
                   <a:schemeClr val="bg1"/>
                 </a:solidFill>
-                <a:latin typeface="+mj-lt"/>
-                <a:ea typeface="+mj-ea"/>
-                <a:cs typeface="+mj-cs"/>
-              </a:defRPr>
-            </a:lvl1pPr>
-          </a:lstStyle>
-          <a:p>
-            <a:pPr algn="ctr"/>
-            <a:endParaRPr lang="en-GB" dirty="0">
+                <a:latin typeface="Corbel" panose="020B0503020204020204" pitchFamily="34" charset="0"/>
+                <a:cs typeface="Futura Medium" panose="020B0602020204020303" pitchFamily="34" charset="-79"/>
+              </a:rPr>
+              <a:t>Source:</a:t>
+            </a:r>
+            <a:r>
+              <a:rPr lang="en-GB" sz="1500" dirty="0">
+                <a:solidFill>
+                  <a:schemeClr val="bg1"/>
+                </a:solidFill>
+                <a:latin typeface="Corbel" panose="020B0503020204020204" pitchFamily="34" charset="0"/>
+                <a:cs typeface="Futura Medium" panose="020B0602020204020303" pitchFamily="34" charset="-79"/>
+              </a:rPr>
+              <a:t> The Art of SLOs by Google </a:t>
+            </a:r>
+            <a:r>
+              <a:rPr lang="en-GB" sz="1500" dirty="0">
+                <a:solidFill>
+                  <a:schemeClr val="bg1"/>
+                </a:solidFill>
+                <a:latin typeface="Corbel" panose="020B0503020204020204" pitchFamily="34" charset="0"/>
+                <a:cs typeface="Futura Medium" panose="020B0602020204020303" pitchFamily="34" charset="-79"/>
+                <a:hlinkClick r:id="rId3">
+                  <a:extLst>
+                    <a:ext uri="{A12FA001-AC4F-418D-AE19-62706E023703}">
+                      <ahyp:hlinkClr xmlns:ahyp="http://schemas.microsoft.com/office/drawing/2018/hyperlinkcolor" val="tx"/>
+                    </a:ext>
+                  </a:extLst>
+                </a:hlinkClick>
+              </a:rPr>
+              <a:t>https://cre.page.link/art-of-slos</a:t>
+            </a:r>
+            <a:endParaRPr lang="en-GB" sz="1500" dirty="0">
+              <a:solidFill>
+                <a:schemeClr val="bg1"/>
+              </a:solidFill>
               <a:latin typeface="Corbel" panose="020B0503020204020204" pitchFamily="34" charset="0"/>
               <a:cs typeface="Futura Medium" panose="020B0602020204020303" pitchFamily="34" charset="-79"/>
             </a:endParaRPr>
           </a:p>
-          <a:p>
-            <a:pPr algn="ctr"/>
-            <a:r>
-              <a:rPr lang="en-GB" sz="4800" u="sng" dirty="0">
-                <a:latin typeface="Corbel" panose="020B0503020204020204" pitchFamily="34" charset="0"/>
-                <a:cs typeface="Futura Medium" panose="020B0602020204020303" pitchFamily="34" charset="-79"/>
-              </a:rPr>
-              <a:t>Summary</a:t>
-            </a:r>
-          </a:p>
         </p:txBody>
       </p:sp>
-      <p:sp>
-        <p:nvSpPr>
-          <p:cNvPr id="13" name="Titel 7">
+      <p:pic>
+        <p:nvPicPr>
+          <p:cNvPr id="3" name="Picture 2">
             <a:extLst>
               <a:ext uri="{FF2B5EF4-FFF2-40B4-BE49-F238E27FC236}">
-                <a16:creationId xmlns:a16="http://schemas.microsoft.com/office/drawing/2014/main" id="{0A8C5B46-0266-3742-B725-713C74CC8B54}"/>
+                <a16:creationId xmlns:a16="http://schemas.microsoft.com/office/drawing/2014/main" id="{7FA3EDB8-DE5F-C247-A887-53E48E654B54}"/>
               </a:ext>
             </a:extLst>
           </p:cNvPr>
-          <p:cNvSpPr txBox="1">
-            <a:spLocks/>
-          </p:cNvSpPr>
+          <p:cNvPicPr>
+            <a:picLocks noChangeAspect="1"/>
+          </p:cNvPicPr>
           <p:nvPr/>
-        </p:nvSpPr>
-        <p:spPr bwMode="gray">
+        </p:nvPicPr>
+        <p:blipFill>
+          <a:blip r:embed="rId4"/>
+          <a:stretch>
+            <a:fillRect/>
+          </a:stretch>
+        </p:blipFill>
+        <p:spPr>
           <a:xfrm>
-            <a:off x="1416050" y="1246757"/>
-            <a:ext cx="2100356" cy="4730461"/>
+            <a:off x="2764777" y="655563"/>
+            <a:ext cx="6872742" cy="5240136"/>
           </a:xfrm>
           <a:prstGeom prst="rect">
             <a:avLst/>
           </a:prstGeom>
         </p:spPr>
-        <p:txBody>
-          <a:bodyPr vert="horz" lIns="91440" tIns="0" rIns="91440" bIns="0" rtlCol="0" anchor="t">
-            <a:noAutofit/>
-          </a:bodyPr>
-          <a:lstStyle>
-            <a:lvl1pPr algn="l" defTabSz="914400" rtl="0" eaLnBrk="1" latinLnBrk="0" hangingPunct="1">
-              <a:lnSpc>
-                <a:spcPct val="90000"/>
-              </a:lnSpc>
-              <a:spcBef>
-                <a:spcPct val="0"/>
-              </a:spcBef>
-              <a:buNone/>
-              <a:defRPr sz="6600" b="1" i="0" kern="1200" spc="-150" baseline="0">
-                <a:solidFill>
-                  <a:schemeClr val="bg1"/>
-                </a:solidFill>
-                <a:latin typeface="+mj-lt"/>
-                <a:ea typeface="+mj-ea"/>
-                <a:cs typeface="+mj-cs"/>
-              </a:defRPr>
-            </a:lvl1pPr>
-          </a:lstStyle>
-          <a:p>
-            <a:r>
-              <a:rPr lang="en-GB" sz="4800" u="sng" dirty="0">
-                <a:latin typeface="Corbel" panose="020B0503020204020204" pitchFamily="34" charset="0"/>
-                <a:cs typeface="Futura Medium" panose="020B0602020204020303" pitchFamily="34" charset="-79"/>
-              </a:rPr>
-              <a:t>SLI</a:t>
-            </a:r>
-          </a:p>
-          <a:p>
-            <a:endParaRPr lang="en-GB" sz="4000" b="0" dirty="0">
-              <a:latin typeface="Corbel" panose="020B0503020204020204" pitchFamily="34" charset="0"/>
-              <a:cs typeface="Futura Medium" panose="020B0602020204020303" pitchFamily="34" charset="-79"/>
-            </a:endParaRPr>
-          </a:p>
-          <a:p>
-            <a:r>
-              <a:rPr lang="en-GB" sz="3200" b="0" dirty="0">
-                <a:latin typeface="Corbel" panose="020B0503020204020204" pitchFamily="34" charset="0"/>
-                <a:cs typeface="Futura Medium" panose="020B0602020204020303" pitchFamily="34" charset="-79"/>
-              </a:rPr>
-              <a:t>service level indicator: a monitoring metric that is indicative of a user’s goal </a:t>
-            </a:r>
-          </a:p>
-        </p:txBody>
-      </p:sp>
-      <p:sp>
-        <p:nvSpPr>
-          <p:cNvPr id="14" name="Titel 7">
-            <a:extLst>
-              <a:ext uri="{FF2B5EF4-FFF2-40B4-BE49-F238E27FC236}">
-                <a16:creationId xmlns:a16="http://schemas.microsoft.com/office/drawing/2014/main" id="{259E3F32-E115-8042-97E9-360F1F89E27B}"/>
-              </a:ext>
-            </a:extLst>
-          </p:cNvPr>
-          <p:cNvSpPr txBox="1">
-            <a:spLocks/>
-          </p:cNvSpPr>
-          <p:nvPr/>
-        </p:nvSpPr>
-        <p:spPr bwMode="gray">
-          <a:xfrm>
-            <a:off x="3516406" y="1246756"/>
-            <a:ext cx="2100356" cy="4730461"/>
-          </a:xfrm>
-          <a:prstGeom prst="rect">
-            <a:avLst/>
-          </a:prstGeom>
-        </p:spPr>
-        <p:txBody>
-          <a:bodyPr vert="horz" lIns="91440" tIns="0" rIns="91440" bIns="0" rtlCol="0" anchor="t">
-            <a:noAutofit/>
-          </a:bodyPr>
-          <a:lstStyle>
-            <a:lvl1pPr algn="l" defTabSz="914400" rtl="0" eaLnBrk="1" latinLnBrk="0" hangingPunct="1">
-              <a:lnSpc>
-                <a:spcPct val="90000"/>
-              </a:lnSpc>
-              <a:spcBef>
-                <a:spcPct val="0"/>
-              </a:spcBef>
-              <a:buNone/>
-              <a:defRPr sz="6600" b="1" i="0" kern="1200" spc="-150" baseline="0">
-                <a:solidFill>
-                  <a:schemeClr val="bg1"/>
-                </a:solidFill>
-                <a:latin typeface="+mj-lt"/>
-                <a:ea typeface="+mj-ea"/>
-                <a:cs typeface="+mj-cs"/>
-              </a:defRPr>
-            </a:lvl1pPr>
-          </a:lstStyle>
-          <a:p>
-            <a:r>
-              <a:rPr lang="en-GB" sz="4800" u="sng" dirty="0">
-                <a:latin typeface="Corbel" panose="020B0503020204020204" pitchFamily="34" charset="0"/>
-                <a:cs typeface="Futura Medium" panose="020B0602020204020303" pitchFamily="34" charset="-79"/>
-              </a:rPr>
-              <a:t>SLO</a:t>
-            </a:r>
-          </a:p>
-          <a:p>
-            <a:endParaRPr lang="en-GB" sz="4000" b="0" dirty="0">
-              <a:latin typeface="Corbel" panose="020B0503020204020204" pitchFamily="34" charset="0"/>
-              <a:cs typeface="Futura Medium" panose="020B0602020204020303" pitchFamily="34" charset="-79"/>
-            </a:endParaRPr>
-          </a:p>
-          <a:p>
-            <a:r>
-              <a:rPr lang="en-GB" sz="3200" b="0" dirty="0">
-                <a:latin typeface="Corbel" panose="020B0503020204020204" pitchFamily="34" charset="0"/>
-                <a:cs typeface="Futura Medium" panose="020B0602020204020303" pitchFamily="34" charset="-79"/>
-              </a:rPr>
-              <a:t>service level objective: a target on an SLI that if barely met, keeps the user happy</a:t>
-            </a:r>
-          </a:p>
-        </p:txBody>
-      </p:sp>
-      <p:sp>
-        <p:nvSpPr>
-          <p:cNvPr id="18" name="Titel 7">
-            <a:extLst>
-              <a:ext uri="{FF2B5EF4-FFF2-40B4-BE49-F238E27FC236}">
-                <a16:creationId xmlns:a16="http://schemas.microsoft.com/office/drawing/2014/main" id="{9539F75D-78F9-1444-9DCD-8F7B7896D7A7}"/>
-              </a:ext>
-            </a:extLst>
-          </p:cNvPr>
-          <p:cNvSpPr txBox="1">
-            <a:spLocks/>
-          </p:cNvSpPr>
-          <p:nvPr/>
-        </p:nvSpPr>
-        <p:spPr bwMode="gray">
-          <a:xfrm>
-            <a:off x="5616762" y="1246756"/>
-            <a:ext cx="2338298" cy="4730461"/>
-          </a:xfrm>
-          <a:prstGeom prst="rect">
-            <a:avLst/>
-          </a:prstGeom>
-        </p:spPr>
-        <p:txBody>
-          <a:bodyPr vert="horz" lIns="91440" tIns="0" rIns="91440" bIns="0" rtlCol="0" anchor="t">
-            <a:noAutofit/>
-          </a:bodyPr>
-          <a:lstStyle>
-            <a:lvl1pPr algn="l" defTabSz="914400" rtl="0" eaLnBrk="1" latinLnBrk="0" hangingPunct="1">
-              <a:lnSpc>
-                <a:spcPct val="90000"/>
-              </a:lnSpc>
-              <a:spcBef>
-                <a:spcPct val="0"/>
-              </a:spcBef>
-              <a:buNone/>
-              <a:defRPr sz="6600" b="1" i="0" kern="1200" spc="-150" baseline="0">
-                <a:solidFill>
-                  <a:schemeClr val="bg1"/>
-                </a:solidFill>
-                <a:latin typeface="+mj-lt"/>
-                <a:ea typeface="+mj-ea"/>
-                <a:cs typeface="+mj-cs"/>
-              </a:defRPr>
-            </a:lvl1pPr>
-          </a:lstStyle>
-          <a:p>
-            <a:r>
-              <a:rPr lang="en-GB" sz="4800" u="sng" dirty="0">
-                <a:latin typeface="Corbel" panose="020B0503020204020204" pitchFamily="34" charset="0"/>
-                <a:cs typeface="Futura Medium" panose="020B0602020204020303" pitchFamily="34" charset="-79"/>
-              </a:rPr>
-              <a:t>SLA</a:t>
-            </a:r>
-          </a:p>
-          <a:p>
-            <a:endParaRPr lang="en-GB" sz="4000" b="0" dirty="0">
-              <a:latin typeface="Corbel" panose="020B0503020204020204" pitchFamily="34" charset="0"/>
-              <a:cs typeface="Futura Medium" panose="020B0602020204020303" pitchFamily="34" charset="-79"/>
-            </a:endParaRPr>
-          </a:p>
-          <a:p>
-            <a:r>
-              <a:rPr lang="en-GB" sz="3200" b="0" dirty="0">
-                <a:latin typeface="Corbel" panose="020B0503020204020204" pitchFamily="34" charset="0"/>
-                <a:cs typeface="Futura Medium" panose="020B0602020204020303" pitchFamily="34" charset="-79"/>
-              </a:rPr>
-              <a:t>service level agreement: SLO + consequences</a:t>
-            </a:r>
-          </a:p>
-        </p:txBody>
-      </p:sp>
-      <p:sp>
-        <p:nvSpPr>
-          <p:cNvPr id="19" name="Titel 7">
-            <a:extLst>
-              <a:ext uri="{FF2B5EF4-FFF2-40B4-BE49-F238E27FC236}">
-                <a16:creationId xmlns:a16="http://schemas.microsoft.com/office/drawing/2014/main" id="{A1A55113-FA15-1947-B6CA-E8537CAB859E}"/>
-              </a:ext>
-            </a:extLst>
-          </p:cNvPr>
-          <p:cNvSpPr txBox="1">
-            <a:spLocks/>
-          </p:cNvSpPr>
-          <p:nvPr/>
-        </p:nvSpPr>
-        <p:spPr bwMode="gray">
-          <a:xfrm>
-            <a:off x="7955060" y="1184902"/>
-            <a:ext cx="3342157" cy="4730461"/>
-          </a:xfrm>
-          <a:prstGeom prst="rect">
-            <a:avLst/>
-          </a:prstGeom>
-        </p:spPr>
-        <p:txBody>
-          <a:bodyPr vert="horz" lIns="91440" tIns="0" rIns="91440" bIns="0" rtlCol="0" anchor="t">
-            <a:noAutofit/>
-          </a:bodyPr>
-          <a:lstStyle>
-            <a:lvl1pPr algn="l" defTabSz="914400" rtl="0" eaLnBrk="1" latinLnBrk="0" hangingPunct="1">
-              <a:lnSpc>
-                <a:spcPct val="90000"/>
-              </a:lnSpc>
-              <a:spcBef>
-                <a:spcPct val="0"/>
-              </a:spcBef>
-              <a:buNone/>
-              <a:defRPr sz="6600" b="1" i="0" kern="1200" spc="-150" baseline="0">
-                <a:solidFill>
-                  <a:schemeClr val="bg1"/>
-                </a:solidFill>
-                <a:latin typeface="+mj-lt"/>
-                <a:ea typeface="+mj-ea"/>
-                <a:cs typeface="+mj-cs"/>
-              </a:defRPr>
-            </a:lvl1pPr>
-          </a:lstStyle>
-          <a:p>
-            <a:r>
-              <a:rPr lang="en-GB" sz="4800" u="sng" dirty="0">
-                <a:latin typeface="Corbel" panose="020B0503020204020204" pitchFamily="34" charset="0"/>
-                <a:cs typeface="Futura Medium" panose="020B0602020204020303" pitchFamily="34" charset="-79"/>
-              </a:rPr>
-              <a:t>Error Budget</a:t>
-            </a:r>
-          </a:p>
-          <a:p>
-            <a:endParaRPr lang="en-GB" sz="4800" u="sng" dirty="0">
-              <a:latin typeface="Corbel" panose="020B0503020204020204" pitchFamily="34" charset="0"/>
-              <a:cs typeface="Futura Medium" panose="020B0602020204020303" pitchFamily="34" charset="-79"/>
-            </a:endParaRPr>
-          </a:p>
-          <a:p>
-            <a:r>
-              <a:rPr lang="en-GB" sz="3200" b="0" dirty="0">
-                <a:latin typeface="Corbel" panose="020B0503020204020204" pitchFamily="34" charset="0"/>
-                <a:cs typeface="Futura Medium" panose="020B0602020204020303" pitchFamily="34" charset="-79"/>
-              </a:rPr>
-              <a:t>the maximum amount of time the system can fail without contractual consequences. It is the remainder / inverse of the SLO</a:t>
-            </a:r>
-          </a:p>
-        </p:txBody>
-      </p:sp>
+      </p:pic>
     </p:spTree>
     <p:extLst>
       <p:ext uri="{BB962C8B-B14F-4D97-AF65-F5344CB8AC3E}">
-        <p14:creationId xmlns:p14="http://schemas.microsoft.com/office/powerpoint/2010/main" val="3452087143"/>
+        <p14:creationId xmlns:p14="http://schemas.microsoft.com/office/powerpoint/2010/main" val="3079830111"/>
       </p:ext>
     </p:extLst>
   </p:cSld>
@@ -13085,6 +12933,591 @@
               </a:rPr>
               <a:pPr algn="ctr"/>
               <a:t>14</a:t>
+            </a:fld>
+            <a:endParaRPr lang="en-CH" sz="1500" dirty="0">
+              <a:solidFill>
+                <a:schemeClr val="bg1"/>
+              </a:solidFill>
+              <a:latin typeface="Corbel" panose="020B0503020204020204" pitchFamily="34" charset="0"/>
+            </a:endParaRPr>
+          </a:p>
+        </p:txBody>
+      </p:sp>
+      <p:sp>
+        <p:nvSpPr>
+          <p:cNvPr id="74" name="Titel 7">
+            <a:extLst>
+              <a:ext uri="{FF2B5EF4-FFF2-40B4-BE49-F238E27FC236}">
+                <a16:creationId xmlns:a16="http://schemas.microsoft.com/office/drawing/2014/main" id="{1ABADBBA-DD3C-4E40-AE96-107C25A300CF}"/>
+              </a:ext>
+            </a:extLst>
+          </p:cNvPr>
+          <p:cNvSpPr txBox="1">
+            <a:spLocks/>
+          </p:cNvSpPr>
+          <p:nvPr/>
+        </p:nvSpPr>
+        <p:spPr bwMode="gray">
+          <a:xfrm>
+            <a:off x="1416049" y="267076"/>
+            <a:ext cx="9570197" cy="728006"/>
+          </a:xfrm>
+          <a:prstGeom prst="rect">
+            <a:avLst/>
+          </a:prstGeom>
+        </p:spPr>
+        <p:txBody>
+          <a:bodyPr vert="horz" lIns="91440" tIns="0" rIns="91440" bIns="0" rtlCol="0" anchor="b">
+            <a:noAutofit/>
+          </a:bodyPr>
+          <a:lstStyle>
+            <a:lvl1pPr algn="l" defTabSz="914400" rtl="0" eaLnBrk="1" latinLnBrk="0" hangingPunct="1">
+              <a:lnSpc>
+                <a:spcPct val="90000"/>
+              </a:lnSpc>
+              <a:spcBef>
+                <a:spcPct val="0"/>
+              </a:spcBef>
+              <a:buNone/>
+              <a:defRPr sz="6600" b="1" i="0" kern="1200" spc="-150" baseline="0">
+                <a:solidFill>
+                  <a:schemeClr val="bg1"/>
+                </a:solidFill>
+                <a:latin typeface="+mj-lt"/>
+                <a:ea typeface="+mj-ea"/>
+                <a:cs typeface="+mj-cs"/>
+              </a:defRPr>
+            </a:lvl1pPr>
+          </a:lstStyle>
+          <a:p>
+            <a:pPr algn="ctr"/>
+            <a:endParaRPr lang="en-GB" dirty="0">
+              <a:latin typeface="Corbel" panose="020B0503020204020204" pitchFamily="34" charset="0"/>
+              <a:cs typeface="Futura Medium" panose="020B0602020204020303" pitchFamily="34" charset="-79"/>
+            </a:endParaRPr>
+          </a:p>
+          <a:p>
+            <a:pPr algn="ctr"/>
+            <a:r>
+              <a:rPr lang="en-GB" sz="4800" u="sng" dirty="0">
+                <a:latin typeface="Corbel" panose="020B0503020204020204" pitchFamily="34" charset="0"/>
+                <a:cs typeface="Futura Medium" panose="020B0602020204020303" pitchFamily="34" charset="-79"/>
+              </a:rPr>
+              <a:t>Summary</a:t>
+            </a:r>
+          </a:p>
+        </p:txBody>
+      </p:sp>
+      <p:sp>
+        <p:nvSpPr>
+          <p:cNvPr id="13" name="Titel 7">
+            <a:extLst>
+              <a:ext uri="{FF2B5EF4-FFF2-40B4-BE49-F238E27FC236}">
+                <a16:creationId xmlns:a16="http://schemas.microsoft.com/office/drawing/2014/main" id="{0A8C5B46-0266-3742-B725-713C74CC8B54}"/>
+              </a:ext>
+            </a:extLst>
+          </p:cNvPr>
+          <p:cNvSpPr txBox="1">
+            <a:spLocks/>
+          </p:cNvSpPr>
+          <p:nvPr/>
+        </p:nvSpPr>
+        <p:spPr bwMode="gray">
+          <a:xfrm>
+            <a:off x="1416050" y="1246757"/>
+            <a:ext cx="2100356" cy="4730461"/>
+          </a:xfrm>
+          <a:prstGeom prst="rect">
+            <a:avLst/>
+          </a:prstGeom>
+        </p:spPr>
+        <p:txBody>
+          <a:bodyPr vert="horz" lIns="91440" tIns="0" rIns="91440" bIns="0" rtlCol="0" anchor="t">
+            <a:noAutofit/>
+          </a:bodyPr>
+          <a:lstStyle>
+            <a:lvl1pPr algn="l" defTabSz="914400" rtl="0" eaLnBrk="1" latinLnBrk="0" hangingPunct="1">
+              <a:lnSpc>
+                <a:spcPct val="90000"/>
+              </a:lnSpc>
+              <a:spcBef>
+                <a:spcPct val="0"/>
+              </a:spcBef>
+              <a:buNone/>
+              <a:defRPr sz="6600" b="1" i="0" kern="1200" spc="-150" baseline="0">
+                <a:solidFill>
+                  <a:schemeClr val="bg1"/>
+                </a:solidFill>
+                <a:latin typeface="+mj-lt"/>
+                <a:ea typeface="+mj-ea"/>
+                <a:cs typeface="+mj-cs"/>
+              </a:defRPr>
+            </a:lvl1pPr>
+          </a:lstStyle>
+          <a:p>
+            <a:r>
+              <a:rPr lang="en-GB" sz="4800" u="sng" dirty="0">
+                <a:latin typeface="Corbel" panose="020B0503020204020204" pitchFamily="34" charset="0"/>
+                <a:cs typeface="Futura Medium" panose="020B0602020204020303" pitchFamily="34" charset="-79"/>
+              </a:rPr>
+              <a:t>SLI</a:t>
+            </a:r>
+          </a:p>
+          <a:p>
+            <a:endParaRPr lang="en-GB" sz="4000" b="0" dirty="0">
+              <a:latin typeface="Corbel" panose="020B0503020204020204" pitchFamily="34" charset="0"/>
+              <a:cs typeface="Futura Medium" panose="020B0602020204020303" pitchFamily="34" charset="-79"/>
+            </a:endParaRPr>
+          </a:p>
+          <a:p>
+            <a:r>
+              <a:rPr lang="en-GB" sz="3200" b="0" dirty="0">
+                <a:latin typeface="Corbel" panose="020B0503020204020204" pitchFamily="34" charset="0"/>
+                <a:cs typeface="Futura Medium" panose="020B0602020204020303" pitchFamily="34" charset="-79"/>
+              </a:rPr>
+              <a:t>service level indicator: a monitoring metric that is indicative of a user’s goal </a:t>
+            </a:r>
+          </a:p>
+        </p:txBody>
+      </p:sp>
+      <p:sp>
+        <p:nvSpPr>
+          <p:cNvPr id="14" name="Titel 7">
+            <a:extLst>
+              <a:ext uri="{FF2B5EF4-FFF2-40B4-BE49-F238E27FC236}">
+                <a16:creationId xmlns:a16="http://schemas.microsoft.com/office/drawing/2014/main" id="{259E3F32-E115-8042-97E9-360F1F89E27B}"/>
+              </a:ext>
+            </a:extLst>
+          </p:cNvPr>
+          <p:cNvSpPr txBox="1">
+            <a:spLocks/>
+          </p:cNvSpPr>
+          <p:nvPr/>
+        </p:nvSpPr>
+        <p:spPr bwMode="gray">
+          <a:xfrm>
+            <a:off x="3516406" y="1246756"/>
+            <a:ext cx="2100356" cy="4730461"/>
+          </a:xfrm>
+          <a:prstGeom prst="rect">
+            <a:avLst/>
+          </a:prstGeom>
+        </p:spPr>
+        <p:txBody>
+          <a:bodyPr vert="horz" lIns="91440" tIns="0" rIns="91440" bIns="0" rtlCol="0" anchor="t">
+            <a:noAutofit/>
+          </a:bodyPr>
+          <a:lstStyle>
+            <a:lvl1pPr algn="l" defTabSz="914400" rtl="0" eaLnBrk="1" latinLnBrk="0" hangingPunct="1">
+              <a:lnSpc>
+                <a:spcPct val="90000"/>
+              </a:lnSpc>
+              <a:spcBef>
+                <a:spcPct val="0"/>
+              </a:spcBef>
+              <a:buNone/>
+              <a:defRPr sz="6600" b="1" i="0" kern="1200" spc="-150" baseline="0">
+                <a:solidFill>
+                  <a:schemeClr val="bg1"/>
+                </a:solidFill>
+                <a:latin typeface="+mj-lt"/>
+                <a:ea typeface="+mj-ea"/>
+                <a:cs typeface="+mj-cs"/>
+              </a:defRPr>
+            </a:lvl1pPr>
+          </a:lstStyle>
+          <a:p>
+            <a:r>
+              <a:rPr lang="en-GB" sz="4800" u="sng" dirty="0">
+                <a:latin typeface="Corbel" panose="020B0503020204020204" pitchFamily="34" charset="0"/>
+                <a:cs typeface="Futura Medium" panose="020B0602020204020303" pitchFamily="34" charset="-79"/>
+              </a:rPr>
+              <a:t>SLO</a:t>
+            </a:r>
+          </a:p>
+          <a:p>
+            <a:endParaRPr lang="en-GB" sz="4000" b="0" dirty="0">
+              <a:latin typeface="Corbel" panose="020B0503020204020204" pitchFamily="34" charset="0"/>
+              <a:cs typeface="Futura Medium" panose="020B0602020204020303" pitchFamily="34" charset="-79"/>
+            </a:endParaRPr>
+          </a:p>
+          <a:p>
+            <a:r>
+              <a:rPr lang="en-GB" sz="3200" b="0" dirty="0">
+                <a:latin typeface="Corbel" panose="020B0503020204020204" pitchFamily="34" charset="0"/>
+                <a:cs typeface="Futura Medium" panose="020B0602020204020303" pitchFamily="34" charset="-79"/>
+              </a:rPr>
+              <a:t>service level objective: a target on an SLI that if barely met, keeps the user happy</a:t>
+            </a:r>
+          </a:p>
+        </p:txBody>
+      </p:sp>
+      <p:sp>
+        <p:nvSpPr>
+          <p:cNvPr id="18" name="Titel 7">
+            <a:extLst>
+              <a:ext uri="{FF2B5EF4-FFF2-40B4-BE49-F238E27FC236}">
+                <a16:creationId xmlns:a16="http://schemas.microsoft.com/office/drawing/2014/main" id="{9539F75D-78F9-1444-9DCD-8F7B7896D7A7}"/>
+              </a:ext>
+            </a:extLst>
+          </p:cNvPr>
+          <p:cNvSpPr txBox="1">
+            <a:spLocks/>
+          </p:cNvSpPr>
+          <p:nvPr/>
+        </p:nvSpPr>
+        <p:spPr bwMode="gray">
+          <a:xfrm>
+            <a:off x="5616762" y="1246756"/>
+            <a:ext cx="2338298" cy="4730461"/>
+          </a:xfrm>
+          <a:prstGeom prst="rect">
+            <a:avLst/>
+          </a:prstGeom>
+        </p:spPr>
+        <p:txBody>
+          <a:bodyPr vert="horz" lIns="91440" tIns="0" rIns="91440" bIns="0" rtlCol="0" anchor="t">
+            <a:noAutofit/>
+          </a:bodyPr>
+          <a:lstStyle>
+            <a:lvl1pPr algn="l" defTabSz="914400" rtl="0" eaLnBrk="1" latinLnBrk="0" hangingPunct="1">
+              <a:lnSpc>
+                <a:spcPct val="90000"/>
+              </a:lnSpc>
+              <a:spcBef>
+                <a:spcPct val="0"/>
+              </a:spcBef>
+              <a:buNone/>
+              <a:defRPr sz="6600" b="1" i="0" kern="1200" spc="-150" baseline="0">
+                <a:solidFill>
+                  <a:schemeClr val="bg1"/>
+                </a:solidFill>
+                <a:latin typeface="+mj-lt"/>
+                <a:ea typeface="+mj-ea"/>
+                <a:cs typeface="+mj-cs"/>
+              </a:defRPr>
+            </a:lvl1pPr>
+          </a:lstStyle>
+          <a:p>
+            <a:r>
+              <a:rPr lang="en-GB" sz="4800" u="sng" dirty="0">
+                <a:latin typeface="Corbel" panose="020B0503020204020204" pitchFamily="34" charset="0"/>
+                <a:cs typeface="Futura Medium" panose="020B0602020204020303" pitchFamily="34" charset="-79"/>
+              </a:rPr>
+              <a:t>SLA</a:t>
+            </a:r>
+          </a:p>
+          <a:p>
+            <a:endParaRPr lang="en-GB" sz="4000" b="0" dirty="0">
+              <a:latin typeface="Corbel" panose="020B0503020204020204" pitchFamily="34" charset="0"/>
+              <a:cs typeface="Futura Medium" panose="020B0602020204020303" pitchFamily="34" charset="-79"/>
+            </a:endParaRPr>
+          </a:p>
+          <a:p>
+            <a:r>
+              <a:rPr lang="en-GB" sz="3200" b="0" dirty="0">
+                <a:latin typeface="Corbel" panose="020B0503020204020204" pitchFamily="34" charset="0"/>
+                <a:cs typeface="Futura Medium" panose="020B0602020204020303" pitchFamily="34" charset="-79"/>
+              </a:rPr>
+              <a:t>service level agreement: SLO + consequences</a:t>
+            </a:r>
+          </a:p>
+        </p:txBody>
+      </p:sp>
+      <p:sp>
+        <p:nvSpPr>
+          <p:cNvPr id="19" name="Titel 7">
+            <a:extLst>
+              <a:ext uri="{FF2B5EF4-FFF2-40B4-BE49-F238E27FC236}">
+                <a16:creationId xmlns:a16="http://schemas.microsoft.com/office/drawing/2014/main" id="{A1A55113-FA15-1947-B6CA-E8537CAB859E}"/>
+              </a:ext>
+            </a:extLst>
+          </p:cNvPr>
+          <p:cNvSpPr txBox="1">
+            <a:spLocks/>
+          </p:cNvSpPr>
+          <p:nvPr/>
+        </p:nvSpPr>
+        <p:spPr bwMode="gray">
+          <a:xfrm>
+            <a:off x="7955060" y="1184902"/>
+            <a:ext cx="3342157" cy="4730461"/>
+          </a:xfrm>
+          <a:prstGeom prst="rect">
+            <a:avLst/>
+          </a:prstGeom>
+        </p:spPr>
+        <p:txBody>
+          <a:bodyPr vert="horz" lIns="91440" tIns="0" rIns="91440" bIns="0" rtlCol="0" anchor="t">
+            <a:noAutofit/>
+          </a:bodyPr>
+          <a:lstStyle>
+            <a:lvl1pPr algn="l" defTabSz="914400" rtl="0" eaLnBrk="1" latinLnBrk="0" hangingPunct="1">
+              <a:lnSpc>
+                <a:spcPct val="90000"/>
+              </a:lnSpc>
+              <a:spcBef>
+                <a:spcPct val="0"/>
+              </a:spcBef>
+              <a:buNone/>
+              <a:defRPr sz="6600" b="1" i="0" kern="1200" spc="-150" baseline="0">
+                <a:solidFill>
+                  <a:schemeClr val="bg1"/>
+                </a:solidFill>
+                <a:latin typeface="+mj-lt"/>
+                <a:ea typeface="+mj-ea"/>
+                <a:cs typeface="+mj-cs"/>
+              </a:defRPr>
+            </a:lvl1pPr>
+          </a:lstStyle>
+          <a:p>
+            <a:r>
+              <a:rPr lang="en-GB" sz="4800" u="sng" dirty="0">
+                <a:latin typeface="Corbel" panose="020B0503020204020204" pitchFamily="34" charset="0"/>
+                <a:cs typeface="Futura Medium" panose="020B0602020204020303" pitchFamily="34" charset="-79"/>
+              </a:rPr>
+              <a:t>Error Budget</a:t>
+            </a:r>
+          </a:p>
+          <a:p>
+            <a:endParaRPr lang="en-GB" sz="4800" u="sng" dirty="0">
+              <a:latin typeface="Corbel" panose="020B0503020204020204" pitchFamily="34" charset="0"/>
+              <a:cs typeface="Futura Medium" panose="020B0602020204020303" pitchFamily="34" charset="-79"/>
+            </a:endParaRPr>
+          </a:p>
+          <a:p>
+            <a:r>
+              <a:rPr lang="en-GB" sz="3200" b="0" dirty="0">
+                <a:latin typeface="Corbel" panose="020B0503020204020204" pitchFamily="34" charset="0"/>
+                <a:cs typeface="Futura Medium" panose="020B0602020204020303" pitchFamily="34" charset="-79"/>
+              </a:rPr>
+              <a:t>the maximum amount of time the system can fail without contractual consequences. It is the remainder / inverse of the SLO</a:t>
+            </a:r>
+          </a:p>
+        </p:txBody>
+      </p:sp>
+    </p:spTree>
+    <p:extLst>
+      <p:ext uri="{BB962C8B-B14F-4D97-AF65-F5344CB8AC3E}">
+        <p14:creationId xmlns:p14="http://schemas.microsoft.com/office/powerpoint/2010/main" val="3452087143"/>
+      </p:ext>
+    </p:extLst>
+  </p:cSld>
+  <p:clrMapOvr>
+    <a:masterClrMapping/>
+  </p:clrMapOvr>
+</p:sld>
+</file>
+
+<file path=ppt/slides/slide15.xml><?xml version="1.0" encoding="utf-8"?>
+<p:sld xmlns:a="http://schemas.openxmlformats.org/drawingml/2006/main" xmlns:r="http://schemas.openxmlformats.org/officeDocument/2006/relationships" xmlns:p="http://schemas.openxmlformats.org/presentationml/2006/main">
+  <p:cSld>
+    <p:bg>
+      <p:bgPr>
+        <a:solidFill>
+          <a:srgbClr val="7030A0"/>
+        </a:solidFill>
+        <a:effectLst/>
+      </p:bgPr>
+    </p:bg>
+    <p:spTree>
+      <p:nvGrpSpPr>
+        <p:cNvPr id="1" name=""/>
+        <p:cNvGrpSpPr/>
+        <p:nvPr/>
+      </p:nvGrpSpPr>
+      <p:grpSpPr>
+        <a:xfrm>
+          <a:off x="0" y="0"/>
+          <a:ext cx="0" cy="0"/>
+          <a:chOff x="0" y="0"/>
+          <a:chExt cx="0" cy="0"/>
+        </a:xfrm>
+      </p:grpSpPr>
+      <p:sp>
+        <p:nvSpPr>
+          <p:cNvPr id="11" name="Rectangle 10">
+            <a:extLst>
+              <a:ext uri="{FF2B5EF4-FFF2-40B4-BE49-F238E27FC236}">
+                <a16:creationId xmlns:a16="http://schemas.microsoft.com/office/drawing/2014/main" id="{7978F639-A91C-CD40-B1AA-9218BC57F94B}"/>
+              </a:ext>
+            </a:extLst>
+          </p:cNvPr>
+          <p:cNvSpPr/>
+          <p:nvPr/>
+        </p:nvSpPr>
+        <p:spPr>
+          <a:xfrm>
+            <a:off x="0" y="6635210"/>
+            <a:ext cx="12192000" cy="222790"/>
+          </a:xfrm>
+          <a:prstGeom prst="rect">
+            <a:avLst/>
+          </a:prstGeom>
+          <a:solidFill>
+            <a:srgbClr val="532378"/>
+          </a:solidFill>
+          <a:ln>
+            <a:noFill/>
+          </a:ln>
+        </p:spPr>
+        <p:style>
+          <a:lnRef idx="2">
+            <a:schemeClr val="accent1">
+              <a:shade val="50000"/>
+            </a:schemeClr>
+          </a:lnRef>
+          <a:fillRef idx="1">
+            <a:schemeClr val="accent1"/>
+          </a:fillRef>
+          <a:effectRef idx="0">
+            <a:schemeClr val="accent1"/>
+          </a:effectRef>
+          <a:fontRef idx="minor">
+            <a:schemeClr val="lt1"/>
+          </a:fontRef>
+        </p:style>
+        <p:txBody>
+          <a:bodyPr rtlCol="0" anchor="ctr"/>
+          <a:lstStyle/>
+          <a:p>
+            <a:pPr algn="ctr"/>
+            <a:endParaRPr lang="en-CH"/>
+          </a:p>
+        </p:txBody>
+      </p:sp>
+      <p:sp>
+        <p:nvSpPr>
+          <p:cNvPr id="15" name="Rectangle 14">
+            <a:extLst>
+              <a:ext uri="{FF2B5EF4-FFF2-40B4-BE49-F238E27FC236}">
+                <a16:creationId xmlns:a16="http://schemas.microsoft.com/office/drawing/2014/main" id="{A6158E7A-837F-5049-9473-3074C474EAF8}"/>
+              </a:ext>
+            </a:extLst>
+          </p:cNvPr>
+          <p:cNvSpPr/>
+          <p:nvPr/>
+        </p:nvSpPr>
+        <p:spPr>
+          <a:xfrm rot="16200000">
+            <a:off x="10795273" y="5289438"/>
+            <a:ext cx="2207014" cy="323165"/>
+          </a:xfrm>
+          <a:prstGeom prst="rect">
+            <a:avLst/>
+          </a:prstGeom>
+        </p:spPr>
+        <p:txBody>
+          <a:bodyPr wrap="none">
+            <a:spAutoFit/>
+          </a:bodyPr>
+          <a:lstStyle/>
+          <a:p>
+            <a:r>
+              <a:rPr lang="en-GB" sz="1500" u="sng" dirty="0">
+                <a:solidFill>
+                  <a:schemeClr val="bg1"/>
+                </a:solidFill>
+                <a:latin typeface="Corbel" panose="020B0503020204020204" pitchFamily="34" charset="0"/>
+                <a:cs typeface="Futura Medium" panose="020B0602020204020303" pitchFamily="34" charset="-79"/>
+                <a:hlinkClick r:id="rId2">
+                  <a:extLst>
+                    <a:ext uri="{A12FA001-AC4F-418D-AE19-62706E023703}">
+                      <ahyp:hlinkClr xmlns:ahyp="http://schemas.microsoft.com/office/drawing/2018/hyperlinkcolor" val="tx"/>
+                    </a:ext>
+                  </a:extLst>
+                </a:hlinkClick>
+              </a:rPr>
+              <a:t>TechTalkThursday @nine</a:t>
+            </a:r>
+            <a:endParaRPr lang="en-GB" sz="1500" u="sng" dirty="0">
+              <a:solidFill>
+                <a:schemeClr val="bg1"/>
+              </a:solidFill>
+              <a:latin typeface="Corbel" panose="020B0503020204020204" pitchFamily="34" charset="0"/>
+              <a:cs typeface="Futura Medium" panose="020B0602020204020303" pitchFamily="34" charset="-79"/>
+            </a:endParaRPr>
+          </a:p>
+        </p:txBody>
+      </p:sp>
+      <p:sp>
+        <p:nvSpPr>
+          <p:cNvPr id="16" name="Rectangle 15">
+            <a:extLst>
+              <a:ext uri="{FF2B5EF4-FFF2-40B4-BE49-F238E27FC236}">
+                <a16:creationId xmlns:a16="http://schemas.microsoft.com/office/drawing/2014/main" id="{EADF88A4-5DF7-5C4B-84DD-C010D518B0C6}"/>
+              </a:ext>
+            </a:extLst>
+          </p:cNvPr>
+          <p:cNvSpPr/>
+          <p:nvPr/>
+        </p:nvSpPr>
+        <p:spPr>
+          <a:xfrm rot="16200000">
+            <a:off x="-552459" y="5547266"/>
+            <a:ext cx="1691360" cy="323165"/>
+          </a:xfrm>
+          <a:prstGeom prst="rect">
+            <a:avLst/>
+          </a:prstGeom>
+        </p:spPr>
+        <p:txBody>
+          <a:bodyPr wrap="none">
+            <a:spAutoFit/>
+          </a:bodyPr>
+          <a:lstStyle/>
+          <a:p>
+            <a:r>
+              <a:rPr lang="en-GB" sz="1500" dirty="0">
+                <a:solidFill>
+                  <a:schemeClr val="bg1"/>
+                </a:solidFill>
+                <a:latin typeface="Corbel" panose="020B0503020204020204" pitchFamily="34" charset="0"/>
+                <a:cs typeface="Futura Medium" panose="020B0602020204020303" pitchFamily="34" charset="-79"/>
+              </a:rPr>
+              <a:t>Daniel Lorch | 2020</a:t>
+            </a:r>
+          </a:p>
+        </p:txBody>
+      </p:sp>
+      <p:sp>
+        <p:nvSpPr>
+          <p:cNvPr id="17" name="TextBox 16">
+            <a:extLst>
+              <a:ext uri="{FF2B5EF4-FFF2-40B4-BE49-F238E27FC236}">
+                <a16:creationId xmlns:a16="http://schemas.microsoft.com/office/drawing/2014/main" id="{A5A63B84-C70F-D24C-B441-01B18DD69981}"/>
+              </a:ext>
+            </a:extLst>
+          </p:cNvPr>
+          <p:cNvSpPr txBox="1"/>
+          <p:nvPr/>
+        </p:nvSpPr>
+        <p:spPr>
+          <a:xfrm>
+            <a:off x="11638429" y="141889"/>
+            <a:ext cx="389811" cy="323165"/>
+          </a:xfrm>
+          <a:prstGeom prst="rect">
+            <a:avLst/>
+          </a:prstGeom>
+          <a:noFill/>
+        </p:spPr>
+        <p:txBody>
+          <a:bodyPr wrap="square" rtlCol="0">
+            <a:spAutoFit/>
+          </a:bodyPr>
+          <a:lstStyle/>
+          <a:p>
+            <a:pPr algn="ctr"/>
+            <a:fld id="{F7701D56-8D85-DB4D-9EB0-059FC02658C4}" type="slidenum">
+              <a:rPr lang="en-CH" sz="1500" smtClean="0">
+                <a:solidFill>
+                  <a:schemeClr val="bg1"/>
+                </a:solidFill>
+                <a:latin typeface="Corbel" panose="020B0503020204020204" pitchFamily="34" charset="0"/>
+              </a:rPr>
+              <a:pPr algn="ctr"/>
+              <a:t>15</a:t>
             </a:fld>
             <a:endParaRPr lang="en-CH" sz="1500" dirty="0">
               <a:solidFill>

--- a/2020-site-reliability-engineering-sli-slo-error-budgets-techtalkthursday-nine/SRE-SLI-SLO-Error-Budgets_Lorch-20200722.pptx
+++ b/2020-site-reliability-engineering-sli-slo-error-budgets-techtalkthursday-nine/SRE-SLI-SLO-Error-Budgets_Lorch-20200722.pptx
@@ -13950,56 +13950,97 @@
           </a:p>
         </p:txBody>
       </p:sp>
-      <p:sp>
-        <p:nvSpPr>
-          <p:cNvPr id="17" name="Rectangle 16">
+      <p:pic>
+        <p:nvPicPr>
+          <p:cNvPr id="1028" name="Picture 4">
             <a:extLst>
               <a:ext uri="{FF2B5EF4-FFF2-40B4-BE49-F238E27FC236}">
-                <a16:creationId xmlns:a16="http://schemas.microsoft.com/office/drawing/2014/main" id="{75711A0F-DCD6-B842-9E09-5EF521265DB0}"/>
+                <a16:creationId xmlns:a16="http://schemas.microsoft.com/office/drawing/2014/main" id="{A11DC0C4-4BC9-E64A-B584-4E1A089FC9FB}"/>
               </a:ext>
             </a:extLst>
           </p:cNvPr>
-          <p:cNvSpPr/>
+          <p:cNvPicPr>
+            <a:picLocks noChangeAspect="1" noChangeArrowheads="1"/>
+          </p:cNvPicPr>
           <p:nvPr/>
-        </p:nvSpPr>
-        <p:spPr>
-          <a:xfrm rot="16200000">
-            <a:off x="10795273" y="5289438"/>
-            <a:ext cx="2207014" cy="323165"/>
+        </p:nvPicPr>
+        <p:blipFill>
+          <a:blip r:embed="rId2">
+            <a:extLst>
+              <a:ext uri="{28A0092B-C50C-407E-A947-70E740481C1C}">
+                <a14:useLocalDpi xmlns:a14="http://schemas.microsoft.com/office/drawing/2010/main" val="0"/>
+              </a:ext>
+            </a:extLst>
+          </a:blip>
+          <a:srcRect/>
+          <a:stretch>
+            <a:fillRect/>
+          </a:stretch>
+        </p:blipFill>
+        <p:spPr bwMode="auto">
+          <a:xfrm>
+            <a:off x="-2" y="0"/>
+            <a:ext cx="12192000" cy="6858000"/>
           </a:xfrm>
           <a:prstGeom prst="rect">
             <a:avLst/>
           </a:prstGeom>
+          <a:noFill/>
+          <a:extLst>
+            <a:ext uri="{909E8E84-426E-40DD-AFC4-6F175D3DCCD1}">
+              <a14:hiddenFill xmlns:a14="http://schemas.microsoft.com/office/drawing/2010/main">
+                <a:solidFill>
+                  <a:srgbClr val="FFFFFF"/>
+                </a:solidFill>
+              </a14:hiddenFill>
+            </a:ext>
+          </a:extLst>
+        </p:spPr>
+      </p:pic>
+      <p:sp>
+        <p:nvSpPr>
+          <p:cNvPr id="19" name="TextBox 18">
+            <a:extLst>
+              <a:ext uri="{FF2B5EF4-FFF2-40B4-BE49-F238E27FC236}">
+                <a16:creationId xmlns:a16="http://schemas.microsoft.com/office/drawing/2014/main" id="{5BBA7C1B-51D8-F04D-BDF0-47BC92B18EC9}"/>
+              </a:ext>
+            </a:extLst>
+          </p:cNvPr>
+          <p:cNvSpPr txBox="1"/>
+          <p:nvPr/>
+        </p:nvSpPr>
+        <p:spPr>
+          <a:xfrm>
+            <a:off x="11769320" y="141889"/>
+            <a:ext cx="258920" cy="323165"/>
+          </a:xfrm>
+          <a:prstGeom prst="rect">
+            <a:avLst/>
+          </a:prstGeom>
+          <a:noFill/>
         </p:spPr>
         <p:txBody>
-          <a:bodyPr wrap="none">
+          <a:bodyPr wrap="square" rtlCol="0">
             <a:spAutoFit/>
           </a:bodyPr>
           <a:lstStyle/>
           <a:p>
-            <a:r>
-              <a:rPr lang="en-GB" sz="1500" u="sng" dirty="0">
+            <a:pPr algn="ctr"/>
+            <a:fld id="{F7701D56-8D85-DB4D-9EB0-059FC02658C4}" type="slidenum">
+              <a:rPr lang="en-CH" sz="1500" smtClean="0">
                 <a:solidFill>
                   <a:schemeClr val="bg1"/>
                 </a:solidFill>
                 <a:latin typeface="Corbel" panose="020B0503020204020204" pitchFamily="34" charset="0"/>
-                <a:cs typeface="Futura Medium" panose="020B0602020204020303" pitchFamily="34" charset="-79"/>
-                <a:hlinkClick r:id="rId2">
-                  <a:extLst>
-                    <a:ext uri="{A12FA001-AC4F-418D-AE19-62706E023703}">
-                      <ahyp:hlinkClr xmlns:ahyp="http://schemas.microsoft.com/office/drawing/2018/hyperlinkcolor" val="tx"/>
-                    </a:ext>
-                  </a:extLst>
-                </a:hlinkClick>
               </a:rPr>
-              <a:t>TechTalkThursday @nine</a:t>
-            </a:r>
-            <a:endParaRPr lang="en-GB" sz="1500" u="sng" dirty="0">
+              <a:pPr algn="ctr"/>
+              <a:t>2</a:t>
+            </a:fld>
+            <a:endParaRPr lang="en-CH" sz="1500" dirty="0">
               <a:solidFill>
                 <a:schemeClr val="bg1"/>
               </a:solidFill>
               <a:latin typeface="Corbel" panose="020B0503020204020204" pitchFamily="34" charset="0"/>
-              <a:cs typeface="Futura Medium" panose="020B0602020204020303" pitchFamily="34" charset="-79"/>
             </a:endParaRPr>
           </a:p>
         </p:txBody>
@@ -14046,48 +14087,54 @@
       </p:sp>
       <p:sp>
         <p:nvSpPr>
-          <p:cNvPr id="19" name="TextBox 18">
+          <p:cNvPr id="17" name="Rectangle 16">
             <a:extLst>
               <a:ext uri="{FF2B5EF4-FFF2-40B4-BE49-F238E27FC236}">
-                <a16:creationId xmlns:a16="http://schemas.microsoft.com/office/drawing/2014/main" id="{5BBA7C1B-51D8-F04D-BDF0-47BC92B18EC9}"/>
+                <a16:creationId xmlns:a16="http://schemas.microsoft.com/office/drawing/2014/main" id="{75711A0F-DCD6-B842-9E09-5EF521265DB0}"/>
               </a:ext>
             </a:extLst>
           </p:cNvPr>
-          <p:cNvSpPr txBox="1"/>
+          <p:cNvSpPr/>
           <p:nvPr/>
         </p:nvSpPr>
         <p:spPr>
-          <a:xfrm>
-            <a:off x="11769320" y="141889"/>
-            <a:ext cx="258920" cy="323165"/>
+          <a:xfrm rot="16200000">
+            <a:off x="10795273" y="5289438"/>
+            <a:ext cx="2207014" cy="323165"/>
           </a:xfrm>
           <a:prstGeom prst="rect">
             <a:avLst/>
           </a:prstGeom>
-          <a:noFill/>
         </p:spPr>
         <p:txBody>
-          <a:bodyPr wrap="square" rtlCol="0">
+          <a:bodyPr wrap="none">
             <a:spAutoFit/>
           </a:bodyPr>
           <a:lstStyle/>
           <a:p>
-            <a:pPr algn="ctr"/>
-            <a:fld id="{F7701D56-8D85-DB4D-9EB0-059FC02658C4}" type="slidenum">
-              <a:rPr lang="en-CH" sz="1500" smtClean="0">
+            <a:r>
+              <a:rPr lang="en-GB" sz="1500" u="sng" dirty="0">
                 <a:solidFill>
                   <a:schemeClr val="bg1"/>
                 </a:solidFill>
                 <a:latin typeface="Corbel" panose="020B0503020204020204" pitchFamily="34" charset="0"/>
+                <a:cs typeface="Futura Medium" panose="020B0602020204020303" pitchFamily="34" charset="-79"/>
+                <a:hlinkClick r:id="rId3">
+                  <a:extLst>
+                    <a:ext uri="{A12FA001-AC4F-418D-AE19-62706E023703}">
+                      <ahyp:hlinkClr xmlns:ahyp="http://schemas.microsoft.com/office/drawing/2018/hyperlinkcolor" val="tx"/>
+                    </a:ext>
+                  </a:extLst>
+                </a:hlinkClick>
               </a:rPr>
-              <a:pPr algn="ctr"/>
-              <a:t>2</a:t>
-            </a:fld>
-            <a:endParaRPr lang="en-CH" sz="1500" dirty="0">
+              <a:t>TechTalkThursday @nine</a:t>
+            </a:r>
+            <a:endParaRPr lang="en-GB" sz="1500" u="sng" dirty="0">
               <a:solidFill>
                 <a:schemeClr val="bg1"/>
               </a:solidFill>
               <a:latin typeface="Corbel" panose="020B0503020204020204" pitchFamily="34" charset="0"/>
+              <a:cs typeface="Futura Medium" panose="020B0602020204020303" pitchFamily="34" charset="-79"/>
             </a:endParaRPr>
           </a:p>
         </p:txBody>

--- a/2020-site-reliability-engineering-sli-slo-error-budgets-techtalkthursday-nine/SRE-SLI-SLO-Error-Budgets_Lorch-20200722.pptx
+++ b/2020-site-reliability-engineering-sli-slo-error-budgets-techtalkthursday-nine/SRE-SLI-SLO-Error-Budgets_Lorch-20200722.pptx
@@ -13649,14 +13649,7 @@
                 <a:latin typeface="Corbel" panose="020B0503020204020204" pitchFamily="34" charset="0"/>
                 <a:cs typeface="Futura Medium" panose="020B0602020204020303" pitchFamily="34" charset="-79"/>
               </a:rPr>
-              <a:t>The ART </a:t>
-            </a:r>
-            <a:r>
-              <a:rPr lang="en-GB" sz="4000">
-                <a:latin typeface="Corbel" panose="020B0503020204020204" pitchFamily="34" charset="0"/>
-                <a:cs typeface="Futura Medium" panose="020B0602020204020303" pitchFamily="34" charset="-79"/>
-              </a:rPr>
-              <a:t>of SLOs: </a:t>
+              <a:t>The ART of SLOs: </a:t>
             </a:r>
             <a:r>
               <a:rPr lang="en-GB" sz="4000" dirty="0">
@@ -13718,36 +13711,26 @@
                 <a:latin typeface="Corbel" panose="020B0503020204020204" pitchFamily="34" charset="0"/>
                 <a:cs typeface="Futura Medium" panose="020B0602020204020303" pitchFamily="34" charset="-79"/>
               </a:rPr>
-              <a:t>Site Reliability Engineering Books (free): https://</a:t>
-            </a:r>
-            <a:r>
-              <a:rPr lang="en-GB" sz="4000" dirty="0" err="1">
-                <a:latin typeface="Corbel" panose="020B0503020204020204" pitchFamily="34" charset="0"/>
-                <a:cs typeface="Futura Medium" panose="020B0602020204020303" pitchFamily="34" charset="-79"/>
-              </a:rPr>
-              <a:t>landing.google.com</a:t>
+              <a:t>Site Reliability Engineering Books (free): </a:t>
             </a:r>
             <a:r>
               <a:rPr lang="en-GB" sz="4000" dirty="0">
                 <a:latin typeface="Corbel" panose="020B0503020204020204" pitchFamily="34" charset="0"/>
                 <a:cs typeface="Futura Medium" panose="020B0602020204020303" pitchFamily="34" charset="-79"/>
+                <a:hlinkClick r:id="rId5">
+                  <a:extLst>
+                    <a:ext uri="{A12FA001-AC4F-418D-AE19-62706E023703}">
+                      <ahyp:hlinkClr xmlns:ahyp="http://schemas.microsoft.com/office/drawing/2018/hyperlinkcolor" val="tx"/>
+                    </a:ext>
+                  </a:extLst>
+                </a:hlinkClick>
               </a:rPr>
-              <a:t>/</a:t>
-            </a:r>
-            <a:r>
-              <a:rPr lang="en-GB" sz="4000" dirty="0" err="1">
-                <a:latin typeface="Corbel" panose="020B0503020204020204" pitchFamily="34" charset="0"/>
-                <a:cs typeface="Futura Medium" panose="020B0602020204020303" pitchFamily="34" charset="-79"/>
-              </a:rPr>
-              <a:t>sre</a:t>
-            </a:r>
-            <a:r>
-              <a:rPr lang="en-GB" sz="4000" dirty="0">
-                <a:latin typeface="Corbel" panose="020B0503020204020204" pitchFamily="34" charset="0"/>
-                <a:cs typeface="Futura Medium" panose="020B0602020204020303" pitchFamily="34" charset="-79"/>
-              </a:rPr>
-              <a:t>/books/</a:t>
-            </a:r>
+              <a:t>https://landing.google.com/sre/books/</a:t>
+            </a:r>
+            <a:endParaRPr lang="en-GB" sz="4000" dirty="0">
+              <a:latin typeface="Corbel" panose="020B0503020204020204" pitchFamily="34" charset="0"/>
+              <a:cs typeface="Futura Medium" panose="020B0602020204020303" pitchFamily="34" charset="-79"/>
+            </a:endParaRPr>
           </a:p>
         </p:txBody>
       </p:sp>
